--- a/M10515048.pptx
+++ b/M10515048.pptx
@@ -2,21 +2,22 @@
 <file path=ppt/presentation.xml><?xml version="1.0" encoding="utf-8"?>
 <p:presentation xmlns:a="http://schemas.openxmlformats.org/drawingml/2006/main" xmlns:r="http://schemas.openxmlformats.org/officeDocument/2006/relationships" xmlns:p="http://schemas.openxmlformats.org/presentationml/2006/main" saveSubsetFonts="1">
   <p:sldMasterIdLst>
-    <p:sldMasterId id="2147483660" r:id="rId1"/>
+    <p:sldMasterId id="2147483684" r:id="rId1"/>
   </p:sldMasterIdLst>
   <p:sldIdLst>
     <p:sldId id="256" r:id="rId2"/>
     <p:sldId id="257" r:id="rId3"/>
-    <p:sldId id="258" r:id="rId4"/>
-    <p:sldId id="266" r:id="rId5"/>
-    <p:sldId id="267" r:id="rId6"/>
-    <p:sldId id="264" r:id="rId7"/>
-    <p:sldId id="268" r:id="rId8"/>
-    <p:sldId id="269" r:id="rId9"/>
-    <p:sldId id="265" r:id="rId10"/>
-    <p:sldId id="270" r:id="rId11"/>
-    <p:sldId id="271" r:id="rId12"/>
-    <p:sldId id="262" r:id="rId13"/>
+    <p:sldId id="272" r:id="rId4"/>
+    <p:sldId id="258" r:id="rId5"/>
+    <p:sldId id="266" r:id="rId6"/>
+    <p:sldId id="267" r:id="rId7"/>
+    <p:sldId id="264" r:id="rId8"/>
+    <p:sldId id="268" r:id="rId9"/>
+    <p:sldId id="269" r:id="rId10"/>
+    <p:sldId id="265" r:id="rId11"/>
+    <p:sldId id="270" r:id="rId12"/>
+    <p:sldId id="271" r:id="rId13"/>
+    <p:sldId id="262" r:id="rId14"/>
   </p:sldIdLst>
   <p:sldSz cx="12192000" cy="6858000"/>
   <p:notesSz cx="6858000" cy="9144000"/>
@@ -272,7 +273,7 @@
         </p:nvSpPr>
         <p:spPr>
           <a:xfrm>
-            <a:off x="1100051" y="4455620"/>
+            <a:off x="1100051" y="4455621"/>
             <a:ext cx="10058400" cy="1143000"/>
           </a:xfrm>
         </p:spPr>
@@ -349,7 +350,7 @@
           <a:p>
             <a:fld id="{EEB10F6F-565F-4532-8404-5BCDAC7F8958}" type="datetimeFigureOut">
               <a:rPr lang="zh-TW" altLang="en-US" smtClean="0"/>
-              <a:t>2016/11/14</a:t>
+              <a:t>2016/11/15</a:t>
             </a:fld>
             <a:endParaRPr lang="zh-TW" altLang="en-US"/>
           </a:p>
@@ -438,7 +439,7 @@
     </p:spTree>
     <p:extLst>
       <p:ext uri="{BB962C8B-B14F-4D97-AF65-F5344CB8AC3E}">
-        <p14:creationId xmlns:p14="http://schemas.microsoft.com/office/powerpoint/2010/main" val="3607929512"/>
+        <p14:creationId xmlns:p14="http://schemas.microsoft.com/office/powerpoint/2010/main" val="1780014241"/>
       </p:ext>
     </p:extLst>
   </p:cSld>
@@ -557,7 +558,7 @@
           <a:p>
             <a:fld id="{EEB10F6F-565F-4532-8404-5BCDAC7F8958}" type="datetimeFigureOut">
               <a:rPr lang="zh-TW" altLang="en-US" smtClean="0"/>
-              <a:t>2016/11/14</a:t>
+              <a:t>2016/11/15</a:t>
             </a:fld>
             <a:endParaRPr lang="zh-TW" altLang="en-US"/>
           </a:p>
@@ -608,7 +609,7 @@
     </p:spTree>
     <p:extLst>
       <p:ext uri="{BB962C8B-B14F-4D97-AF65-F5344CB8AC3E}">
-        <p14:creationId xmlns:p14="http://schemas.microsoft.com/office/powerpoint/2010/main" val="1178888128"/>
+        <p14:creationId xmlns:p14="http://schemas.microsoft.com/office/powerpoint/2010/main" val="1707679818"/>
       </p:ext>
     </p:extLst>
   </p:cSld>
@@ -723,8 +724,8 @@
         </p:nvSpPr>
         <p:spPr>
           <a:xfrm>
-            <a:off x="8724900" y="414778"/>
-            <a:ext cx="2628900" cy="5757421"/>
+            <a:off x="8724900" y="412302"/>
+            <a:ext cx="2628900" cy="5759898"/>
           </a:xfrm>
         </p:spPr>
         <p:txBody>
@@ -751,8 +752,8 @@
         </p:nvSpPr>
         <p:spPr>
           <a:xfrm>
-            <a:off x="838200" y="414778"/>
-            <a:ext cx="7734300" cy="5757422"/>
+            <a:off x="838200" y="412302"/>
+            <a:ext cx="7734300" cy="5759898"/>
           </a:xfrm>
         </p:spPr>
         <p:txBody>
@@ -813,7 +814,7 @@
           <a:p>
             <a:fld id="{EEB10F6F-565F-4532-8404-5BCDAC7F8958}" type="datetimeFigureOut">
               <a:rPr lang="zh-TW" altLang="en-US" smtClean="0"/>
-              <a:t>2016/11/14</a:t>
+              <a:t>2016/11/15</a:t>
             </a:fld>
             <a:endParaRPr lang="zh-TW" altLang="en-US"/>
           </a:p>
@@ -864,7 +865,7 @@
     </p:spTree>
     <p:extLst>
       <p:ext uri="{BB962C8B-B14F-4D97-AF65-F5344CB8AC3E}">
-        <p14:creationId xmlns:p14="http://schemas.microsoft.com/office/powerpoint/2010/main" val="3043878398"/>
+        <p14:creationId xmlns:p14="http://schemas.microsoft.com/office/powerpoint/2010/main" val="2882949446"/>
       </p:ext>
     </p:extLst>
   </p:cSld>
@@ -904,11 +905,7 @@
         <p:spPr/>
         <p:txBody>
           <a:bodyPr/>
-          <a:lstStyle>
-            <a:lvl1pPr marL="0">
-              <a:defRPr/>
-            </a:lvl1pPr>
-          </a:lstStyle>
+          <a:lstStyle/>
           <a:p>
             <a:r>
               <a:rPr lang="zh-TW" altLang="en-US" smtClean="0"/>
@@ -987,7 +984,7 @@
           <a:p>
             <a:fld id="{EEB10F6F-565F-4532-8404-5BCDAC7F8958}" type="datetimeFigureOut">
               <a:rPr lang="zh-TW" altLang="en-US" smtClean="0"/>
-              <a:t>2016/11/14</a:t>
+              <a:t>2016/11/15</a:t>
             </a:fld>
             <a:endParaRPr lang="zh-TW" altLang="en-US"/>
           </a:p>
@@ -1038,7 +1035,7 @@
     </p:spTree>
     <p:extLst>
       <p:ext uri="{BB962C8B-B14F-4D97-AF65-F5344CB8AC3E}">
-        <p14:creationId xmlns:p14="http://schemas.microsoft.com/office/powerpoint/2010/main" val="3158103914"/>
+        <p14:creationId xmlns:p14="http://schemas.microsoft.com/office/powerpoint/2010/main" val="2650354429"/>
       </p:ext>
     </p:extLst>
   </p:cSld>
@@ -1330,7 +1327,7 @@
           <a:p>
             <a:fld id="{EEB10F6F-565F-4532-8404-5BCDAC7F8958}" type="datetimeFigureOut">
               <a:rPr lang="zh-TW" altLang="en-US" smtClean="0"/>
-              <a:t>2016/11/14</a:t>
+              <a:t>2016/11/15</a:t>
             </a:fld>
             <a:endParaRPr lang="zh-TW" altLang="en-US"/>
           </a:p>
@@ -1419,7 +1416,7 @@
     </p:spTree>
     <p:extLst>
       <p:ext uri="{BB962C8B-B14F-4D97-AF65-F5344CB8AC3E}">
-        <p14:creationId xmlns:p14="http://schemas.microsoft.com/office/powerpoint/2010/main" val="3322209940"/>
+        <p14:creationId xmlns:p14="http://schemas.microsoft.com/office/powerpoint/2010/main" val="2675010533"/>
       </p:ext>
     </p:extLst>
   </p:cSld>
@@ -1486,7 +1483,7 @@
         </p:nvSpPr>
         <p:spPr>
           <a:xfrm>
-            <a:off x="1097279" y="1845734"/>
+            <a:off x="1097278" y="1845734"/>
             <a:ext cx="4937760" cy="4023360"/>
           </a:xfrm>
         </p:spPr>
@@ -1605,7 +1602,7 @@
           <a:p>
             <a:fld id="{EEB10F6F-565F-4532-8404-5BCDAC7F8958}" type="datetimeFigureOut">
               <a:rPr lang="zh-TW" altLang="en-US" smtClean="0"/>
-              <a:t>2016/11/14</a:t>
+              <a:t>2016/11/15</a:t>
             </a:fld>
             <a:endParaRPr lang="zh-TW" altLang="en-US"/>
           </a:p>
@@ -1656,7 +1653,7 @@
     </p:spTree>
     <p:extLst>
       <p:ext uri="{BB962C8B-B14F-4D97-AF65-F5344CB8AC3E}">
-        <p14:creationId xmlns:p14="http://schemas.microsoft.com/office/powerpoint/2010/main" val="3279918519"/>
+        <p14:creationId xmlns:p14="http://schemas.microsoft.com/office/powerpoint/2010/main" val="3070307918"/>
       </p:ext>
     </p:extLst>
   </p:cSld>
@@ -1984,7 +1981,7 @@
           <a:p>
             <a:fld id="{EEB10F6F-565F-4532-8404-5BCDAC7F8958}" type="datetimeFigureOut">
               <a:rPr lang="zh-TW" altLang="en-US" smtClean="0"/>
-              <a:t>2016/11/14</a:t>
+              <a:t>2016/11/15</a:t>
             </a:fld>
             <a:endParaRPr lang="zh-TW" altLang="en-US"/>
           </a:p>
@@ -2035,7 +2032,7 @@
     </p:spTree>
     <p:extLst>
       <p:ext uri="{BB962C8B-B14F-4D97-AF65-F5344CB8AC3E}">
-        <p14:creationId xmlns:p14="http://schemas.microsoft.com/office/powerpoint/2010/main" val="1417698409"/>
+        <p14:creationId xmlns:p14="http://schemas.microsoft.com/office/powerpoint/2010/main" val="2078735112"/>
       </p:ext>
     </p:extLst>
   </p:cSld>
@@ -2102,7 +2099,7 @@
           <a:p>
             <a:fld id="{EEB10F6F-565F-4532-8404-5BCDAC7F8958}" type="datetimeFigureOut">
               <a:rPr lang="zh-TW" altLang="en-US" smtClean="0"/>
-              <a:t>2016/11/14</a:t>
+              <a:t>2016/11/15</a:t>
             </a:fld>
             <a:endParaRPr lang="zh-TW" altLang="en-US"/>
           </a:p>
@@ -2153,7 +2150,7 @@
     </p:spTree>
     <p:extLst>
       <p:ext uri="{BB962C8B-B14F-4D97-AF65-F5344CB8AC3E}">
-        <p14:creationId xmlns:p14="http://schemas.microsoft.com/office/powerpoint/2010/main" val="3416453851"/>
+        <p14:creationId xmlns:p14="http://schemas.microsoft.com/office/powerpoint/2010/main" val="1889680133"/>
       </p:ext>
     </p:extLst>
   </p:cSld>
@@ -2273,7 +2270,7 @@
           <a:p>
             <a:fld id="{EEB10F6F-565F-4532-8404-5BCDAC7F8958}" type="datetimeFigureOut">
               <a:rPr lang="zh-TW" altLang="en-US" smtClean="0"/>
-              <a:t>2016/11/14</a:t>
+              <a:t>2016/11/15</a:t>
             </a:fld>
             <a:endParaRPr lang="zh-TW" altLang="en-US"/>
           </a:p>
@@ -2332,7 +2329,7 @@
     </p:spTree>
     <p:extLst>
       <p:ext uri="{BB962C8B-B14F-4D97-AF65-F5344CB8AC3E}">
-        <p14:creationId xmlns:p14="http://schemas.microsoft.com/office/powerpoint/2010/main" val="1423840532"/>
+        <p14:creationId xmlns:p14="http://schemas.microsoft.com/office/powerpoint/2010/main" val="2692141077"/>
       </p:ext>
     </p:extLst>
   </p:cSld>
@@ -2627,7 +2624,7 @@
           <a:p>
             <a:fld id="{EEB10F6F-565F-4532-8404-5BCDAC7F8958}" type="datetimeFigureOut">
               <a:rPr lang="zh-TW" altLang="en-US" smtClean="0"/>
-              <a:t>2016/11/14</a:t>
+              <a:t>2016/11/15</a:t>
             </a:fld>
             <a:endParaRPr lang="zh-TW" altLang="en-US"/>
           </a:p>
@@ -2699,7 +2696,7 @@
     </p:spTree>
     <p:extLst>
       <p:ext uri="{BB962C8B-B14F-4D97-AF65-F5344CB8AC3E}">
-        <p14:creationId xmlns:p14="http://schemas.microsoft.com/office/powerpoint/2010/main" val="231596382"/>
+        <p14:creationId xmlns:p14="http://schemas.microsoft.com/office/powerpoint/2010/main" val="1818467578"/>
       </p:ext>
     </p:extLst>
   </p:cSld>
@@ -2815,7 +2812,7 @@
         <p:spPr>
           <a:xfrm>
             <a:off x="1097280" y="5074920"/>
-            <a:ext cx="10113264" cy="822960"/>
+            <a:ext cx="10113645" cy="822960"/>
           </a:xfrm>
         </p:spPr>
         <p:txBody>
@@ -2855,23 +2852,18 @@
             <a:off x="15" y="0"/>
             <a:ext cx="12191985" cy="4915076"/>
           </a:xfrm>
-          <a:blipFill>
-            <a:blip r:embed="rId2"/>
-            <a:stretch>
-              <a:fillRect/>
-            </a:stretch>
-          </a:blipFill>
+          <a:solidFill>
+            <a:schemeClr val="bg2">
+              <a:lumMod val="90000"/>
+            </a:schemeClr>
+          </a:solidFill>
         </p:spPr>
         <p:txBody>
           <a:bodyPr lIns="457200" tIns="457200" anchor="t"/>
           <a:lstStyle>
             <a:lvl1pPr marL="0" indent="0">
               <a:buNone/>
-              <a:defRPr sz="3200">
-                <a:solidFill>
-                  <a:schemeClr val="bg1"/>
-                </a:solidFill>
-              </a:defRPr>
+              <a:defRPr sz="3200"/>
             </a:lvl1pPr>
             <a:lvl2pPr marL="457200" indent="0">
               <a:buNone/>
@@ -2927,7 +2919,7 @@
         </p:nvSpPr>
         <p:spPr>
           <a:xfrm>
-            <a:off x="1097280" y="5907023"/>
+            <a:off x="1097280" y="5907024"/>
             <a:ext cx="10113264" cy="594360"/>
           </a:xfrm>
         </p:spPr>
@@ -3009,7 +3001,7 @@
           <a:p>
             <a:fld id="{EEB10F6F-565F-4532-8404-5BCDAC7F8958}" type="datetimeFigureOut">
               <a:rPr lang="zh-TW" altLang="en-US" smtClean="0"/>
-              <a:t>2016/11/14</a:t>
+              <a:t>2016/11/15</a:t>
             </a:fld>
             <a:endParaRPr lang="zh-TW" altLang="en-US"/>
           </a:p>
@@ -3060,7 +3052,7 @@
     </p:spTree>
     <p:extLst>
       <p:ext uri="{BB962C8B-B14F-4D97-AF65-F5344CB8AC3E}">
-        <p14:creationId xmlns:p14="http://schemas.microsoft.com/office/powerpoint/2010/main" val="2462352052"/>
+        <p14:creationId xmlns:p14="http://schemas.microsoft.com/office/powerpoint/2010/main" val="2753593708"/>
       </p:ext>
     </p:extLst>
   </p:cSld>
@@ -3138,8 +3130,8 @@
         </p:nvSpPr>
         <p:spPr>
           <a:xfrm>
-            <a:off x="0" y="6334316"/>
-            <a:ext cx="12192001" cy="65998"/>
+            <a:off x="15" y="6334316"/>
+            <a:ext cx="12191985" cy="66484"/>
           </a:xfrm>
           <a:prstGeom prst="rect">
             <a:avLst/>
@@ -3296,7 +3288,7 @@
           <a:p>
             <a:fld id="{EEB10F6F-565F-4532-8404-5BCDAC7F8958}" type="datetimeFigureOut">
               <a:rPr lang="zh-TW" altLang="en-US" smtClean="0"/>
-              <a:t>2016/11/14</a:t>
+              <a:t>2016/11/15</a:t>
             </a:fld>
             <a:endParaRPr lang="zh-TW" altLang="en-US"/>
           </a:p>
@@ -3417,23 +3409,23 @@
     </p:spTree>
     <p:extLst>
       <p:ext uri="{BB962C8B-B14F-4D97-AF65-F5344CB8AC3E}">
-        <p14:creationId xmlns:p14="http://schemas.microsoft.com/office/powerpoint/2010/main" val="3033915117"/>
+        <p14:creationId xmlns:p14="http://schemas.microsoft.com/office/powerpoint/2010/main" val="1364363096"/>
       </p:ext>
     </p:extLst>
   </p:cSld>
   <p:clrMap bg1="lt1" tx1="dk1" bg2="lt2" tx2="dk2" accent1="accent1" accent2="accent2" accent3="accent3" accent4="accent4" accent5="accent5" accent6="accent6" hlink="hlink" folHlink="folHlink"/>
   <p:sldLayoutIdLst>
-    <p:sldLayoutId id="2147483661" r:id="rId1"/>
-    <p:sldLayoutId id="2147483662" r:id="rId2"/>
-    <p:sldLayoutId id="2147483663" r:id="rId3"/>
-    <p:sldLayoutId id="2147483664" r:id="rId4"/>
-    <p:sldLayoutId id="2147483665" r:id="rId5"/>
-    <p:sldLayoutId id="2147483666" r:id="rId6"/>
-    <p:sldLayoutId id="2147483667" r:id="rId7"/>
-    <p:sldLayoutId id="2147483668" r:id="rId8"/>
-    <p:sldLayoutId id="2147483669" r:id="rId9"/>
-    <p:sldLayoutId id="2147483670" r:id="rId10"/>
-    <p:sldLayoutId id="2147483671" r:id="rId11"/>
+    <p:sldLayoutId id="2147483685" r:id="rId1"/>
+    <p:sldLayoutId id="2147483686" r:id="rId2"/>
+    <p:sldLayoutId id="2147483687" r:id="rId3"/>
+    <p:sldLayoutId id="2147483688" r:id="rId4"/>
+    <p:sldLayoutId id="2147483689" r:id="rId5"/>
+    <p:sldLayoutId id="2147483690" r:id="rId6"/>
+    <p:sldLayoutId id="2147483691" r:id="rId7"/>
+    <p:sldLayoutId id="2147483692" r:id="rId8"/>
+    <p:sldLayoutId id="2147483693" r:id="rId9"/>
+    <p:sldLayoutId id="2147483694" r:id="rId10"/>
+    <p:sldLayoutId id="2147483695" r:id="rId11"/>
   </p:sldLayoutIdLst>
   <p:txStyles>
     <p:titleStyle>
@@ -4001,6 +3993,507 @@
         </p:nvSpPr>
         <p:spPr>
           <a:xfrm>
+            <a:off x="1097280" y="412124"/>
+            <a:ext cx="10058400" cy="1325236"/>
+          </a:xfrm>
+        </p:spPr>
+        <p:txBody>
+          <a:bodyPr>
+            <a:noAutofit/>
+          </a:bodyPr>
+          <a:lstStyle/>
+          <a:p>
+            <a:r>
+              <a:rPr lang="en-US" altLang="zh-TW" sz="3200" b="1" dirty="0">
+                <a:latin typeface="微軟正黑體" panose="020B0604030504040204" pitchFamily="34" charset="-120"/>
+                <a:ea typeface="微軟正黑體" panose="020B0604030504040204" pitchFamily="34" charset="-120"/>
+              </a:rPr>
+              <a:t>2</a:t>
+            </a:r>
+            <a:r>
+              <a:rPr lang="en-US" altLang="zh-TW" sz="3200" b="1" dirty="0" smtClean="0">
+                <a:latin typeface="微軟正黑體" panose="020B0604030504040204" pitchFamily="34" charset="-120"/>
+                <a:ea typeface="微軟正黑體" panose="020B0604030504040204" pitchFamily="34" charset="-120"/>
+              </a:rPr>
+              <a:t>.</a:t>
+            </a:r>
+            <a:r>
+              <a:rPr lang="en-US" altLang="zh-TW" sz="3200" b="1" dirty="0">
+                <a:latin typeface="微軟正黑體" panose="020B0604030504040204" pitchFamily="34" charset="-120"/>
+                <a:ea typeface="微軟正黑體" panose="020B0604030504040204" pitchFamily="34" charset="-120"/>
+              </a:rPr>
+              <a:t> Key word : </a:t>
+            </a:r>
+            <a:r>
+              <a:rPr lang="en-US" altLang="zh-TW" sz="3200" b="1" dirty="0" smtClean="0">
+                <a:latin typeface="微軟正黑體" panose="020B0604030504040204" pitchFamily="34" charset="-120"/>
+                <a:ea typeface="微軟正黑體" panose="020B0604030504040204" pitchFamily="34" charset="-120"/>
+              </a:rPr>
+              <a:t>Exploit</a:t>
+            </a:r>
+            <a:r>
+              <a:rPr lang="zh-TW" altLang="en-US" sz="3200" b="1" dirty="0" smtClean="0">
+                <a:latin typeface="微軟正黑體" panose="020B0604030504040204" pitchFamily="34" charset="-120"/>
+                <a:ea typeface="微軟正黑體" panose="020B0604030504040204" pitchFamily="34" charset="-120"/>
+              </a:rPr>
+              <a:t> </a:t>
+            </a:r>
+            <a:r>
+              <a:rPr lang="en-US" altLang="zh-TW" sz="3200" b="1" dirty="0">
+                <a:latin typeface="微軟正黑體" panose="020B0604030504040204" pitchFamily="34" charset="-120"/>
+                <a:ea typeface="微軟正黑體" panose="020B0604030504040204" pitchFamily="34" charset="-120"/>
+              </a:rPr>
+              <a:t>(</a:t>
+            </a:r>
+            <a:r>
+              <a:rPr lang="zh-TW" altLang="en-US" sz="3200" b="1" dirty="0">
+                <a:latin typeface="微軟正黑體" panose="020B0604030504040204" pitchFamily="34" charset="-120"/>
+                <a:ea typeface="微軟正黑體" panose="020B0604030504040204" pitchFamily="34" charset="-120"/>
+              </a:rPr>
+              <a:t>時間</a:t>
+            </a:r>
+            <a:r>
+              <a:rPr lang="en-US" altLang="zh-TW" sz="3200" b="1" dirty="0">
+                <a:latin typeface="微軟正黑體" panose="020B0604030504040204" pitchFamily="34" charset="-120"/>
+                <a:ea typeface="微軟正黑體" panose="020B0604030504040204" pitchFamily="34" charset="-120"/>
+              </a:rPr>
+              <a:t>:2014</a:t>
+            </a:r>
+            <a:r>
+              <a:rPr lang="zh-TW" altLang="en-US" sz="3200" b="1" dirty="0">
+                <a:latin typeface="微軟正黑體" panose="020B0604030504040204" pitchFamily="34" charset="-120"/>
+                <a:ea typeface="微軟正黑體" panose="020B0604030504040204" pitchFamily="34" charset="-120"/>
+              </a:rPr>
+              <a:t>一整年</a:t>
+            </a:r>
+            <a:r>
+              <a:rPr lang="en-US" altLang="zh-TW" sz="3200" b="1" dirty="0">
+                <a:latin typeface="微軟正黑體" panose="020B0604030504040204" pitchFamily="34" charset="-120"/>
+                <a:ea typeface="微軟正黑體" panose="020B0604030504040204" pitchFamily="34" charset="-120"/>
+              </a:rPr>
+              <a:t>)</a:t>
+            </a:r>
+            <a:endParaRPr lang="zh-TW" altLang="en-US" sz="3200" b="1" dirty="0">
+              <a:latin typeface="微軟正黑體" panose="020B0604030504040204" pitchFamily="34" charset="-120"/>
+              <a:ea typeface="微軟正黑體" panose="020B0604030504040204" pitchFamily="34" charset="-120"/>
+            </a:endParaRPr>
+          </a:p>
+        </p:txBody>
+      </p:sp>
+      <p:sp>
+        <p:nvSpPr>
+          <p:cNvPr id="3" name="內容版面配置區 2"/>
+          <p:cNvSpPr>
+            <a:spLocks noGrp="1"/>
+          </p:cNvSpPr>
+          <p:nvPr>
+            <p:ph idx="1"/>
+          </p:nvPr>
+        </p:nvSpPr>
+        <p:spPr/>
+        <p:txBody>
+          <a:bodyPr>
+            <a:normAutofit/>
+          </a:bodyPr>
+          <a:lstStyle/>
+          <a:p>
+            <a:pPr marL="91440" lvl="1" indent="-91440">
+              <a:spcBef>
+                <a:spcPts val="1200"/>
+              </a:spcBef>
+              <a:spcAft>
+                <a:spcPts val="200"/>
+              </a:spcAft>
+              <a:buSzPct val="100000"/>
+              <a:buFont typeface="Calibri" panose="020F0502020204030204" pitchFamily="34" charset="0"/>
+              <a:buChar char=" "/>
+            </a:pPr>
+            <a:r>
+              <a:rPr lang="en-US" altLang="zh-TW" sz="2000" dirty="0" smtClean="0">
+                <a:latin typeface="微軟正黑體" panose="020B0604030504040204" pitchFamily="34" charset="-120"/>
+                <a:ea typeface="微軟正黑體" panose="020B0604030504040204" pitchFamily="34" charset="-120"/>
+              </a:rPr>
+              <a:t>a</a:t>
+            </a:r>
+            <a:r>
+              <a:rPr lang="en-US" altLang="zh-TW" sz="2000" dirty="0">
+                <a:latin typeface="微軟正黑體" panose="020B0604030504040204" pitchFamily="34" charset="-120"/>
+                <a:ea typeface="微軟正黑體" panose="020B0604030504040204" pitchFamily="34" charset="-120"/>
+              </a:rPr>
+              <a:t>. </a:t>
+            </a:r>
+            <a:r>
+              <a:rPr lang="zh-TW" altLang="en-US" sz="2000" dirty="0" smtClean="0">
+                <a:latin typeface="微軟正黑體" panose="020B0604030504040204" pitchFamily="34" charset="-120"/>
+                <a:ea typeface="微軟正黑體" panose="020B0604030504040204" pitchFamily="34" charset="-120"/>
+              </a:rPr>
+              <a:t>共有</a:t>
+            </a:r>
+            <a:r>
+              <a:rPr lang="en-US" altLang="zh-TW" sz="2000" b="1" u="sng" dirty="0" smtClean="0">
+                <a:latin typeface="微軟正黑體" panose="020B0604030504040204" pitchFamily="34" charset="-120"/>
+                <a:ea typeface="微軟正黑體" panose="020B0604030504040204" pitchFamily="34" charset="-120"/>
+              </a:rPr>
+              <a:t>69</a:t>
+            </a:r>
+            <a:r>
+              <a:rPr lang="zh-TW" altLang="en-US" sz="2000" dirty="0" smtClean="0">
+                <a:latin typeface="微軟正黑體" panose="020B0604030504040204" pitchFamily="34" charset="-120"/>
+                <a:ea typeface="微軟正黑體" panose="020B0604030504040204" pitchFamily="34" charset="-120"/>
+              </a:rPr>
+              <a:t>個</a:t>
+            </a:r>
+            <a:r>
+              <a:rPr lang="en-US" altLang="zh-TW" sz="2000" dirty="0" smtClean="0">
+                <a:latin typeface="微軟正黑體" panose="020B0604030504040204" pitchFamily="34" charset="-120"/>
+                <a:ea typeface="微軟正黑體" panose="020B0604030504040204" pitchFamily="34" charset="-120"/>
+              </a:rPr>
+              <a:t>Twitter</a:t>
+            </a:r>
+          </a:p>
+          <a:p>
+            <a:pPr marL="91440" lvl="1" indent="-91440">
+              <a:spcBef>
+                <a:spcPts val="1200"/>
+              </a:spcBef>
+              <a:spcAft>
+                <a:spcPts val="200"/>
+              </a:spcAft>
+              <a:buSzPct val="100000"/>
+              <a:buFont typeface="Calibri" panose="020F0502020204030204" pitchFamily="34" charset="0"/>
+              <a:buChar char=" "/>
+            </a:pPr>
+            <a:r>
+              <a:rPr lang="en-US" altLang="zh-TW" sz="2000" dirty="0" smtClean="0">
+                <a:latin typeface="微軟正黑體" panose="020B0604030504040204" pitchFamily="34" charset="-120"/>
+                <a:ea typeface="微軟正黑體" panose="020B0604030504040204" pitchFamily="34" charset="-120"/>
+              </a:rPr>
+              <a:t>b. </a:t>
+            </a:r>
+            <a:r>
+              <a:rPr lang="zh-TW" altLang="en-US" sz="2000" dirty="0" smtClean="0">
+                <a:latin typeface="微軟正黑體" panose="020B0604030504040204" pitchFamily="34" charset="-120"/>
+                <a:ea typeface="微軟正黑體" panose="020B0604030504040204" pitchFamily="34" charset="-120"/>
+              </a:rPr>
+              <a:t>共有</a:t>
+            </a:r>
+            <a:r>
+              <a:rPr lang="en-US" altLang="zh-TW" sz="2000" b="1" u="sng" dirty="0" smtClean="0">
+                <a:latin typeface="微軟正黑體" panose="020B0604030504040204" pitchFamily="34" charset="-120"/>
+                <a:ea typeface="微軟正黑體" panose="020B0604030504040204" pitchFamily="34" charset="-120"/>
+              </a:rPr>
+              <a:t>561</a:t>
+            </a:r>
+            <a:r>
+              <a:rPr lang="zh-TW" altLang="en-US" sz="2000" dirty="0" smtClean="0">
+                <a:latin typeface="微軟正黑體" panose="020B0604030504040204" pitchFamily="34" charset="-120"/>
+                <a:ea typeface="微軟正黑體" panose="020B0604030504040204" pitchFamily="34" charset="-120"/>
+              </a:rPr>
+              <a:t>則</a:t>
+            </a:r>
+            <a:r>
+              <a:rPr lang="en-US" altLang="zh-TW" sz="2000" dirty="0" smtClean="0">
+                <a:latin typeface="微軟正黑體" panose="020B0604030504040204" pitchFamily="34" charset="-120"/>
+                <a:ea typeface="微軟正黑體" panose="020B0604030504040204" pitchFamily="34" charset="-120"/>
+              </a:rPr>
+              <a:t>Tweets</a:t>
+            </a:r>
+          </a:p>
+          <a:p>
+            <a:r>
+              <a:rPr lang="en-US" altLang="zh-TW" dirty="0" smtClean="0">
+                <a:latin typeface="微軟正黑體" panose="020B0604030504040204" pitchFamily="34" charset="-120"/>
+                <a:ea typeface="微軟正黑體" panose="020B0604030504040204" pitchFamily="34" charset="-120"/>
+              </a:rPr>
+              <a:t>g</a:t>
+            </a:r>
+            <a:r>
+              <a:rPr lang="en-US" altLang="zh-TW" dirty="0">
+                <a:latin typeface="微軟正黑體" panose="020B0604030504040204" pitchFamily="34" charset="-120"/>
+                <a:ea typeface="微軟正黑體" panose="020B0604030504040204" pitchFamily="34" charset="-120"/>
+              </a:rPr>
+              <a:t>. </a:t>
+            </a:r>
+            <a:r>
+              <a:rPr lang="zh-TW" altLang="en-US" dirty="0">
+                <a:latin typeface="微軟正黑體" panose="020B0604030504040204" pitchFamily="34" charset="-120"/>
+                <a:ea typeface="微軟正黑體" panose="020B0604030504040204" pitchFamily="34" charset="-120"/>
+              </a:rPr>
+              <a:t>能否分析資安弱點分析指標帳號？如何分析</a:t>
+            </a:r>
+            <a:r>
+              <a:rPr lang="zh-TW" altLang="en-US" dirty="0" smtClean="0">
+                <a:latin typeface="微軟正黑體" panose="020B0604030504040204" pitchFamily="34" charset="-120"/>
+                <a:ea typeface="微軟正黑體" panose="020B0604030504040204" pitchFamily="34" charset="-120"/>
+              </a:rPr>
+              <a:t>？</a:t>
+            </a:r>
+            <a:endParaRPr lang="en-US" altLang="zh-TW" dirty="0" smtClean="0">
+              <a:latin typeface="微軟正黑體" panose="020B0604030504040204" pitchFamily="34" charset="-120"/>
+              <a:ea typeface="微軟正黑體" panose="020B0604030504040204" pitchFamily="34" charset="-120"/>
+            </a:endParaRPr>
+          </a:p>
+          <a:p>
+            <a:r>
+              <a:rPr lang="zh-TW" altLang="en-US" dirty="0">
+                <a:latin typeface="微軟正黑體" panose="020B0604030504040204" pitchFamily="34" charset="-120"/>
+                <a:ea typeface="微軟正黑體" panose="020B0604030504040204" pitchFamily="34" charset="-120"/>
+              </a:rPr>
+              <a:t>能否分析資安弱點分析指標帳號？如何分析？</a:t>
+            </a:r>
+            <a:endParaRPr lang="en-US" altLang="zh-TW" dirty="0">
+              <a:latin typeface="微軟正黑體" panose="020B0604030504040204" pitchFamily="34" charset="-120"/>
+              <a:ea typeface="微軟正黑體" panose="020B0604030504040204" pitchFamily="34" charset="-120"/>
+            </a:endParaRPr>
+          </a:p>
+          <a:p>
+            <a:pPr lvl="1"/>
+            <a:r>
+              <a:rPr lang="zh-TW" altLang="en-US" dirty="0">
+                <a:latin typeface="微軟正黑體" panose="020B0604030504040204" pitchFamily="34" charset="-120"/>
+                <a:ea typeface="微軟正黑體" panose="020B0604030504040204" pitchFamily="34" charset="-120"/>
+              </a:rPr>
+              <a:t>以</a:t>
+            </a:r>
+            <a:r>
+              <a:rPr lang="en-US" altLang="zh-TW" dirty="0" err="1">
+                <a:latin typeface="微軟正黑體" panose="020B0604030504040204" pitchFamily="34" charset="-120"/>
+                <a:ea typeface="微軟正黑體" panose="020B0604030504040204" pitchFamily="34" charset="-120"/>
+              </a:rPr>
+              <a:t>twitter_id</a:t>
+            </a:r>
+            <a:r>
+              <a:rPr lang="zh-TW" altLang="en-US" dirty="0">
+                <a:latin typeface="微軟正黑體" panose="020B0604030504040204" pitchFamily="34" charset="-120"/>
+                <a:ea typeface="微軟正黑體" panose="020B0604030504040204" pitchFamily="34" charset="-120"/>
+              </a:rPr>
+              <a:t>做</a:t>
+            </a:r>
+            <a:r>
+              <a:rPr lang="en-US" altLang="zh-TW" dirty="0">
+                <a:latin typeface="微軟正黑體" panose="020B0604030504040204" pitchFamily="34" charset="-120"/>
+                <a:ea typeface="微軟正黑體" panose="020B0604030504040204" pitchFamily="34" charset="-120"/>
+              </a:rPr>
+              <a:t>aggregation</a:t>
+            </a:r>
+            <a:r>
+              <a:rPr lang="zh-TW" altLang="en-US" dirty="0">
+                <a:latin typeface="微軟正黑體" panose="020B0604030504040204" pitchFamily="34" charset="-120"/>
+                <a:ea typeface="微軟正黑體" panose="020B0604030504040204" pitchFamily="34" charset="-120"/>
+              </a:rPr>
+              <a:t>，可以撈出一些相對較常發</a:t>
+            </a:r>
+            <a:r>
+              <a:rPr lang="zh-TW" altLang="en-US" dirty="0" smtClean="0">
+                <a:latin typeface="微軟正黑體" panose="020B0604030504040204" pitchFamily="34" charset="-120"/>
+                <a:ea typeface="微軟正黑體" panose="020B0604030504040204" pitchFamily="34" charset="-120"/>
+              </a:rPr>
+              <a:t>關於</a:t>
+            </a:r>
+            <a:r>
+              <a:rPr lang="en-US" altLang="zh-TW" dirty="0">
+                <a:latin typeface="微軟正黑體" panose="020B0604030504040204" pitchFamily="34" charset="-120"/>
+                <a:ea typeface="微軟正黑體" panose="020B0604030504040204" pitchFamily="34" charset="-120"/>
+              </a:rPr>
+              <a:t>Exploit</a:t>
+            </a:r>
+            <a:r>
+              <a:rPr lang="zh-TW" altLang="en-US" dirty="0" smtClean="0">
+                <a:latin typeface="微軟正黑體" panose="020B0604030504040204" pitchFamily="34" charset="-120"/>
+                <a:ea typeface="微軟正黑體" panose="020B0604030504040204" pitchFamily="34" charset="-120"/>
+              </a:rPr>
+              <a:t>關鍵字</a:t>
+            </a:r>
+            <a:r>
+              <a:rPr lang="en-US" altLang="zh-TW" dirty="0">
+                <a:latin typeface="微軟正黑體" panose="020B0604030504040204" pitchFamily="34" charset="-120"/>
+                <a:ea typeface="微軟正黑體" panose="020B0604030504040204" pitchFamily="34" charset="-120"/>
+              </a:rPr>
+              <a:t>tweet</a:t>
+            </a:r>
+            <a:r>
+              <a:rPr lang="zh-TW" altLang="en-US" dirty="0">
+                <a:latin typeface="微軟正黑體" panose="020B0604030504040204" pitchFamily="34" charset="-120"/>
+                <a:ea typeface="微軟正黑體" panose="020B0604030504040204" pitchFamily="34" charset="-120"/>
+              </a:rPr>
+              <a:t>的帳號。</a:t>
+            </a:r>
+            <a:endParaRPr lang="en-US" altLang="zh-TW" dirty="0">
+              <a:latin typeface="微軟正黑體" panose="020B0604030504040204" pitchFamily="34" charset="-120"/>
+              <a:ea typeface="微軟正黑體" panose="020B0604030504040204" pitchFamily="34" charset="-120"/>
+            </a:endParaRPr>
+          </a:p>
+          <a:p>
+            <a:pPr lvl="1"/>
+            <a:r>
+              <a:rPr lang="zh-TW" altLang="en-US" dirty="0">
+                <a:latin typeface="微軟正黑體" panose="020B0604030504040204" pitchFamily="34" charset="-120"/>
+                <a:ea typeface="微軟正黑體" panose="020B0604030504040204" pitchFamily="34" charset="-120"/>
+              </a:rPr>
+              <a:t>再對照</a:t>
+            </a:r>
+            <a:r>
+              <a:rPr lang="en-US" altLang="zh-TW" dirty="0">
+                <a:latin typeface="微軟正黑體" panose="020B0604030504040204" pitchFamily="34" charset="-120"/>
+                <a:ea typeface="微軟正黑體" panose="020B0604030504040204" pitchFamily="34" charset="-120"/>
+              </a:rPr>
+              <a:t>tweet</a:t>
+            </a:r>
+            <a:r>
+              <a:rPr lang="zh-TW" altLang="en-US" dirty="0">
+                <a:latin typeface="微軟正黑體" panose="020B0604030504040204" pitchFamily="34" charset="-120"/>
+                <a:ea typeface="微軟正黑體" panose="020B0604030504040204" pitchFamily="34" charset="-120"/>
+              </a:rPr>
+              <a:t>以及</a:t>
+            </a:r>
+            <a:r>
+              <a:rPr lang="en-US" altLang="zh-TW" dirty="0">
+                <a:latin typeface="微軟正黑體" panose="020B0604030504040204" pitchFamily="34" charset="-120"/>
+                <a:ea typeface="微軟正黑體" panose="020B0604030504040204" pitchFamily="34" charset="-120"/>
+              </a:rPr>
+              <a:t>twitter</a:t>
+            </a:r>
+            <a:r>
+              <a:rPr lang="zh-TW" altLang="en-US" dirty="0">
+                <a:latin typeface="微軟正黑體" panose="020B0604030504040204" pitchFamily="34" charset="-120"/>
+                <a:ea typeface="微軟正黑體" panose="020B0604030504040204" pitchFamily="34" charset="-120"/>
+              </a:rPr>
+              <a:t>各月份的長條圖。</a:t>
+            </a:r>
+            <a:endParaRPr lang="en-US" altLang="zh-TW" dirty="0">
+              <a:latin typeface="微軟正黑體" panose="020B0604030504040204" pitchFamily="34" charset="-120"/>
+              <a:ea typeface="微軟正黑體" panose="020B0604030504040204" pitchFamily="34" charset="-120"/>
+            </a:endParaRPr>
+          </a:p>
+          <a:p>
+            <a:pPr lvl="1"/>
+            <a:r>
+              <a:rPr lang="zh-TW" altLang="en-US" dirty="0" smtClean="0">
+                <a:latin typeface="微軟正黑體" panose="020B0604030504040204" pitchFamily="34" charset="-120"/>
+                <a:ea typeface="微軟正黑體" panose="020B0604030504040204" pitchFamily="34" charset="-120"/>
+              </a:rPr>
+              <a:t>因為</a:t>
+            </a:r>
+            <a:r>
+              <a:rPr lang="en-US" altLang="zh-TW" dirty="0">
+                <a:latin typeface="微軟正黑體" panose="020B0604030504040204" pitchFamily="34" charset="-120"/>
+                <a:ea typeface="微軟正黑體" panose="020B0604030504040204" pitchFamily="34" charset="-120"/>
+              </a:rPr>
+              <a:t>Exploit</a:t>
+            </a:r>
+            <a:r>
+              <a:rPr lang="zh-TW" altLang="en-US" dirty="0" smtClean="0">
+                <a:latin typeface="微軟正黑體" panose="020B0604030504040204" pitchFamily="34" charset="-120"/>
+                <a:ea typeface="微軟正黑體" panose="020B0604030504040204" pitchFamily="34" charset="-120"/>
+              </a:rPr>
+              <a:t>所</a:t>
+            </a:r>
+            <a:r>
+              <a:rPr lang="zh-TW" altLang="en-US" dirty="0">
+                <a:latin typeface="微軟正黑體" panose="020B0604030504040204" pitchFamily="34" charset="-120"/>
+                <a:ea typeface="微軟正黑體" panose="020B0604030504040204" pitchFamily="34" charset="-120"/>
+              </a:rPr>
+              <a:t>代表的可能不僅止於資安相關議題。</a:t>
+            </a:r>
+            <a:endParaRPr lang="en-US" altLang="zh-TW" dirty="0">
+              <a:latin typeface="微軟正黑體" panose="020B0604030504040204" pitchFamily="34" charset="-120"/>
+              <a:ea typeface="微軟正黑體" panose="020B0604030504040204" pitchFamily="34" charset="-120"/>
+            </a:endParaRPr>
+          </a:p>
+          <a:p>
+            <a:pPr lvl="1"/>
+            <a:r>
+              <a:rPr lang="zh-TW" altLang="en-US" dirty="0">
+                <a:latin typeface="微軟正黑體" panose="020B0604030504040204" pitchFamily="34" charset="-120"/>
+                <a:ea typeface="微軟正黑體" panose="020B0604030504040204" pitchFamily="34" charset="-120"/>
+              </a:rPr>
+              <a:t>所以應同時比對其他資安的關鍵字，以加強其關聯性。</a:t>
+            </a:r>
+            <a:endParaRPr lang="en-US" altLang="zh-TW" dirty="0">
+              <a:latin typeface="微軟正黑體" panose="020B0604030504040204" pitchFamily="34" charset="-120"/>
+              <a:ea typeface="微軟正黑體" panose="020B0604030504040204" pitchFamily="34" charset="-120"/>
+            </a:endParaRPr>
+          </a:p>
+          <a:p>
+            <a:endParaRPr lang="en-US" altLang="zh-TW" dirty="0">
+              <a:latin typeface="微軟正黑體" panose="020B0604030504040204" pitchFamily="34" charset="-120"/>
+              <a:ea typeface="微軟正黑體" panose="020B0604030504040204" pitchFamily="34" charset="-120"/>
+            </a:endParaRPr>
+          </a:p>
+          <a:p>
+            <a:pPr marL="91440" lvl="1" indent="-91440">
+              <a:spcBef>
+                <a:spcPts val="1200"/>
+              </a:spcBef>
+              <a:spcAft>
+                <a:spcPts val="200"/>
+              </a:spcAft>
+              <a:buSzPct val="100000"/>
+              <a:buFont typeface="Calibri" panose="020F0502020204030204" pitchFamily="34" charset="0"/>
+              <a:buChar char=" "/>
+            </a:pPr>
+            <a:endParaRPr lang="en-US" altLang="zh-TW" sz="2000" dirty="0" smtClean="0">
+              <a:latin typeface="微軟正黑體" panose="020B0604030504040204" pitchFamily="34" charset="-120"/>
+              <a:ea typeface="微軟正黑體" panose="020B0604030504040204" pitchFamily="34" charset="-120"/>
+            </a:endParaRPr>
+          </a:p>
+          <a:p>
+            <a:endParaRPr lang="en-US" altLang="zh-TW" sz="2400" dirty="0" smtClean="0">
+              <a:latin typeface="微軟正黑體" panose="020B0604030504040204" pitchFamily="34" charset="-120"/>
+              <a:ea typeface="微軟正黑體" panose="020B0604030504040204" pitchFamily="34" charset="-120"/>
+            </a:endParaRPr>
+          </a:p>
+        </p:txBody>
+      </p:sp>
+    </p:spTree>
+    <p:extLst>
+      <p:ext uri="{BB962C8B-B14F-4D97-AF65-F5344CB8AC3E}">
+        <p14:creationId xmlns:p14="http://schemas.microsoft.com/office/powerpoint/2010/main" val="2252600417"/>
+      </p:ext>
+    </p:extLst>
+  </p:cSld>
+  <p:clrMapOvr>
+    <a:masterClrMapping/>
+  </p:clrMapOvr>
+  <p:timing>
+    <p:tnLst>
+      <p:par>
+        <p:cTn id="1" dur="indefinite" restart="never" nodeType="tmRoot"/>
+      </p:par>
+    </p:tnLst>
+  </p:timing>
+</p:sld>
+</file>
+
+<file path=ppt/slides/slide11.xml><?xml version="1.0" encoding="utf-8"?>
+<p:sld xmlns:a="http://schemas.openxmlformats.org/drawingml/2006/main" xmlns:r="http://schemas.openxmlformats.org/officeDocument/2006/relationships" xmlns:p="http://schemas.openxmlformats.org/presentationml/2006/main">
+  <p:cSld>
+    <p:spTree>
+      <p:nvGrpSpPr>
+        <p:cNvPr id="1" name=""/>
+        <p:cNvGrpSpPr/>
+        <p:nvPr/>
+      </p:nvGrpSpPr>
+      <p:grpSpPr>
+        <a:xfrm>
+          <a:off x="0" y="0"/>
+          <a:ext cx="0" cy="0"/>
+          <a:chOff x="0" y="0"/>
+          <a:chExt cx="0" cy="0"/>
+        </a:xfrm>
+      </p:grpSpPr>
+      <p:sp>
+        <p:nvSpPr>
+          <p:cNvPr id="2" name="標題 1"/>
+          <p:cNvSpPr>
+            <a:spLocks noGrp="1"/>
+          </p:cNvSpPr>
+          <p:nvPr>
+            <p:ph type="title"/>
+          </p:nvPr>
+        </p:nvSpPr>
+        <p:spPr>
+          <a:xfrm>
             <a:off x="1097280" y="0"/>
             <a:ext cx="10058400" cy="578261"/>
           </a:xfrm>
@@ -4290,7 +4783,7 @@
 </p:sld>
 </file>
 
-<file path=ppt/slides/slide11.xml><?xml version="1.0" encoding="utf-8"?>
+<file path=ppt/slides/slide12.xml><?xml version="1.0" encoding="utf-8"?>
 <p:sld xmlns:a="http://schemas.openxmlformats.org/drawingml/2006/main" xmlns:r="http://schemas.openxmlformats.org/officeDocument/2006/relationships" xmlns:p="http://schemas.openxmlformats.org/presentationml/2006/main">
   <p:cSld>
     <p:spTree>
@@ -4608,7 +5101,7 @@
 </p:sld>
 </file>
 
-<file path=ppt/slides/slide12.xml><?xml version="1.0" encoding="utf-8"?>
+<file path=ppt/slides/slide13.xml><?xml version="1.0" encoding="utf-8"?>
 <p:sld xmlns:a="http://schemas.openxmlformats.org/drawingml/2006/main" xmlns:r="http://schemas.openxmlformats.org/officeDocument/2006/relationships" xmlns:p="http://schemas.openxmlformats.org/presentationml/2006/main">
   <p:cSld>
     <p:spTree>
@@ -4637,41 +5130,51 @@
         </p:nvSpPr>
         <p:spPr/>
         <p:txBody>
+          <a:bodyPr>
+            <a:normAutofit/>
+          </a:bodyPr>
+          <a:lstStyle/>
+          <a:p>
+            <a:r>
+              <a:rPr lang="en-US" altLang="zh-TW" sz="3200" b="1" dirty="0" smtClean="0"/>
+              <a:t>3.</a:t>
+            </a:r>
+            <a:endParaRPr lang="zh-TW" altLang="en-US" sz="3200" b="1" dirty="0"/>
+          </a:p>
+        </p:txBody>
+      </p:sp>
+      <p:sp>
+        <p:nvSpPr>
+          <p:cNvPr id="3" name="內容版面配置區 2"/>
+          <p:cNvSpPr>
+            <a:spLocks noGrp="1"/>
+          </p:cNvSpPr>
+          <p:nvPr>
+            <p:ph idx="1"/>
+          </p:nvPr>
+        </p:nvSpPr>
+        <p:spPr/>
+        <p:txBody>
           <a:bodyPr/>
           <a:lstStyle/>
           <a:p>
-            <a:endParaRPr lang="zh-TW" altLang="en-US" dirty="0"/>
-          </a:p>
-        </p:txBody>
-      </p:sp>
-      <p:sp>
-        <p:nvSpPr>
-          <p:cNvPr id="3" name="內容版面配置區 2"/>
-          <p:cNvSpPr>
-            <a:spLocks noGrp="1"/>
-          </p:cNvSpPr>
-          <p:nvPr>
-            <p:ph idx="1"/>
-          </p:nvPr>
-        </p:nvSpPr>
-        <p:spPr/>
-        <p:txBody>
-          <a:bodyPr/>
-          <a:lstStyle/>
-          <a:p>
-            <a:r>
-              <a:rPr lang="en-US" altLang="zh-TW" dirty="0">
-                <a:latin typeface="微軟正黑體" panose="020B0604030504040204" pitchFamily="34" charset="-120"/>
-                <a:ea typeface="微軟正黑體" panose="020B0604030504040204" pitchFamily="34" charset="-120"/>
-              </a:rPr>
-              <a:t>3. </a:t>
+            <a:pPr>
+              <a:buFont typeface="Wingdings" panose="05000000000000000000" pitchFamily="2" charset="2"/>
+              <a:buChar char="l"/>
+            </a:pPr>
+            <a:r>
+              <a:rPr lang="zh-TW" altLang="en-US" smtClean="0">
+                <a:latin typeface="微軟正黑體" panose="020B0604030504040204" pitchFamily="34" charset="-120"/>
+                <a:ea typeface="微軟正黑體" panose="020B0604030504040204" pitchFamily="34" charset="-120"/>
+              </a:rPr>
+              <a:t> 請</a:t>
             </a:r>
             <a:r>
               <a:rPr lang="zh-TW" altLang="en-US" dirty="0">
                 <a:latin typeface="微軟正黑體" panose="020B0604030504040204" pitchFamily="34" charset="-120"/>
                 <a:ea typeface="微軟正黑體" panose="020B0604030504040204" pitchFamily="34" charset="-120"/>
               </a:rPr>
-              <a:t>請選擇</a:t>
+              <a:t>選擇</a:t>
             </a:r>
             <a:r>
               <a:rPr lang="en-US" altLang="zh-TW" dirty="0">
@@ -4840,7 +5343,7 @@
         </p:spPr>
         <p:txBody>
           <a:bodyPr>
-            <a:normAutofit fontScale="92500" lnSpcReduction="10000"/>
+            <a:normAutofit/>
           </a:bodyPr>
           <a:lstStyle/>
           <a:p>
@@ -4884,38 +5387,42 @@
                 <a:latin typeface="微軟正黑體" panose="020B0604030504040204" pitchFamily="34" charset="-120"/>
                 <a:ea typeface="微軟正黑體" panose="020B0604030504040204" pitchFamily="34" charset="-120"/>
               </a:rPr>
-              <a:t>: win10</a:t>
-            </a:r>
-          </a:p>
-          <a:p>
-            <a:pPr lvl="1"/>
+              <a:t>: </a:t>
+            </a:r>
+            <a:r>
+              <a:rPr lang="en-US" altLang="zh-TW" dirty="0" smtClean="0">
+                <a:latin typeface="微軟正黑體" panose="020B0604030504040204" pitchFamily="34" charset="-120"/>
+                <a:ea typeface="微軟正黑體" panose="020B0604030504040204" pitchFamily="34" charset="-120"/>
+              </a:rPr>
+              <a:t>win10</a:t>
+            </a:r>
             <a:r>
               <a:rPr lang="zh-TW" altLang="en-US" dirty="0" smtClean="0">
                 <a:latin typeface="微軟正黑體" panose="020B0604030504040204" pitchFamily="34" charset="-120"/>
                 <a:ea typeface="微軟正黑體" panose="020B0604030504040204" pitchFamily="34" charset="-120"/>
               </a:rPr>
-              <a:t>硬體</a:t>
-            </a:r>
-            <a:r>
-              <a:rPr lang="zh-TW" altLang="en-US" dirty="0">
-                <a:latin typeface="微軟正黑體" panose="020B0604030504040204" pitchFamily="34" charset="-120"/>
-                <a:ea typeface="微軟正黑體" panose="020B0604030504040204" pitchFamily="34" charset="-120"/>
-              </a:rPr>
-              <a:t> </a:t>
+              <a:t> 專業版 </a:t>
             </a:r>
             <a:r>
               <a:rPr lang="en-US" altLang="zh-TW" dirty="0" smtClean="0">
                 <a:latin typeface="微軟正黑體" panose="020B0604030504040204" pitchFamily="34" charset="-120"/>
                 <a:ea typeface="微軟正黑體" panose="020B0604030504040204" pitchFamily="34" charset="-120"/>
               </a:rPr>
-              <a:t>:</a:t>
+              <a:t>(lab</a:t>
             </a:r>
             <a:r>
               <a:rPr lang="zh-TW" altLang="en-US" dirty="0" smtClean="0">
                 <a:latin typeface="微軟正黑體" panose="020B0604030504040204" pitchFamily="34" charset="-120"/>
                 <a:ea typeface="微軟正黑體" panose="020B0604030504040204" pitchFamily="34" charset="-120"/>
               </a:rPr>
-              <a:t> </a:t>
+              <a:t>電腦</a:t>
+            </a:r>
+            <a:r>
+              <a:rPr lang="en-US" altLang="zh-TW" dirty="0" smtClean="0">
+                <a:latin typeface="微軟正黑體" panose="020B0604030504040204" pitchFamily="34" charset="-120"/>
+                <a:ea typeface="微軟正黑體" panose="020B0604030504040204" pitchFamily="34" charset="-120"/>
+              </a:rPr>
+              <a:t>)</a:t>
             </a:r>
             <a:endParaRPr lang="en-US" altLang="zh-TW" dirty="0" smtClean="0">
               <a:latin typeface="微軟正黑體" panose="020B0604030504040204" pitchFamily="34" charset="-120"/>
@@ -4986,25 +5493,94 @@
               </a:rPr>
               <a:t>VirtualBox</a:t>
             </a:r>
+          </a:p>
+          <a:p>
+            <a:r>
+              <a:rPr lang="en-US" altLang="zh-TW" dirty="0" smtClean="0">
+                <a:latin typeface="微軟正黑體" panose="020B0604030504040204" pitchFamily="34" charset="-120"/>
+                <a:ea typeface="微軟正黑體" panose="020B0604030504040204" pitchFamily="34" charset="-120"/>
+              </a:rPr>
+              <a:t>C. </a:t>
+            </a:r>
+            <a:r>
+              <a:rPr lang="zh-TW" altLang="en-US" dirty="0" smtClean="0">
+                <a:latin typeface="微軟正黑體" panose="020B0604030504040204" pitchFamily="34" charset="-120"/>
+                <a:ea typeface="微軟正黑體" panose="020B0604030504040204" pitchFamily="34" charset="-120"/>
+              </a:rPr>
+              <a:t>請簡述所遇到的困難以及解決方式 </a:t>
+            </a:r>
             <a:endParaRPr lang="en-US" altLang="zh-TW" dirty="0" smtClean="0">
               <a:latin typeface="微軟正黑體" panose="020B0604030504040204" pitchFamily="34" charset="-120"/>
               <a:ea typeface="微軟正黑體" panose="020B0604030504040204" pitchFamily="34" charset="-120"/>
             </a:endParaRPr>
           </a:p>
           <a:p>
+            <a:pPr lvl="1"/>
+            <a:r>
+              <a:rPr lang="zh-TW" altLang="en-US" dirty="0" smtClean="0">
+                <a:latin typeface="微軟正黑體" panose="020B0604030504040204" pitchFamily="34" charset="-120"/>
+                <a:ea typeface="微軟正黑體" panose="020B0604030504040204" pitchFamily="34" charset="-120"/>
+              </a:rPr>
+              <a:t>在安裝</a:t>
+            </a:r>
+            <a:r>
+              <a:rPr lang="en-US" altLang="zh-TW" dirty="0" err="1" smtClean="0">
+                <a:latin typeface="微軟正黑體" panose="020B0604030504040204" pitchFamily="34" charset="-120"/>
+                <a:ea typeface="微軟正黑體" panose="020B0604030504040204" pitchFamily="34" charset="-120"/>
+              </a:rPr>
+              <a:t>VirtualBox</a:t>
+            </a:r>
+            <a:r>
+              <a:rPr lang="zh-TW" altLang="en-US" dirty="0" smtClean="0">
+                <a:latin typeface="微軟正黑體" panose="020B0604030504040204" pitchFamily="34" charset="-120"/>
+                <a:ea typeface="微軟正黑體" panose="020B0604030504040204" pitchFamily="34" charset="-120"/>
+              </a:rPr>
+              <a:t>時，一直顯示</a:t>
+            </a:r>
             <a:r>
               <a:rPr lang="en-US" altLang="zh-TW" dirty="0" smtClean="0">
                 <a:latin typeface="微軟正黑體" panose="020B0604030504040204" pitchFamily="34" charset="-120"/>
                 <a:ea typeface="微軟正黑體" panose="020B0604030504040204" pitchFamily="34" charset="-120"/>
               </a:rPr>
-              <a:t>C. </a:t>
-            </a:r>
-            <a:r>
-              <a:rPr lang="zh-TW" altLang="en-US" dirty="0">
-                <a:latin typeface="微軟正黑體" panose="020B0604030504040204" pitchFamily="34" charset="-120"/>
-                <a:ea typeface="微軟正黑體" panose="020B0604030504040204" pitchFamily="34" charset="-120"/>
-              </a:rPr>
-              <a:t>請簡述所遇到的困難以及解決方式 </a:t>
+              <a:t>Error</a:t>
+            </a:r>
+            <a:r>
+              <a:rPr lang="zh-TW" altLang="en-US" dirty="0" smtClean="0">
+                <a:latin typeface="微軟正黑體" panose="020B0604030504040204" pitchFamily="34" charset="-120"/>
+                <a:ea typeface="微軟正黑體" panose="020B0604030504040204" pitchFamily="34" charset="-120"/>
+              </a:rPr>
+              <a:t> </a:t>
+            </a:r>
+            <a:r>
+              <a:rPr lang="en-US" altLang="zh-TW" dirty="0" smtClean="0">
+                <a:latin typeface="微軟正黑體" panose="020B0604030504040204" pitchFamily="34" charset="-120"/>
+                <a:ea typeface="微軟正黑體" panose="020B0604030504040204" pitchFamily="34" charset="-120"/>
+              </a:rPr>
+              <a:t>(</a:t>
+            </a:r>
+            <a:r>
+              <a:rPr lang="zh-TW" altLang="en-US" dirty="0" smtClean="0">
+                <a:latin typeface="微軟正黑體" panose="020B0604030504040204" pitchFamily="34" charset="-120"/>
+                <a:ea typeface="微軟正黑體" panose="020B0604030504040204" pitchFamily="34" charset="-120"/>
+              </a:rPr>
+              <a:t>是老師上課時沒有提過的</a:t>
+            </a:r>
+            <a:r>
+              <a:rPr lang="en-US" altLang="zh-TW" dirty="0" smtClean="0">
+                <a:latin typeface="微軟正黑體" panose="020B0604030504040204" pitchFamily="34" charset="-120"/>
+                <a:ea typeface="微軟正黑體" panose="020B0604030504040204" pitchFamily="34" charset="-120"/>
+              </a:rPr>
+              <a:t>Error)</a:t>
+            </a:r>
+          </a:p>
+          <a:p>
+            <a:pPr lvl="1"/>
+            <a:r>
+              <a:rPr lang="zh-TW" altLang="en-US" dirty="0" smtClean="0">
+                <a:latin typeface="微軟正黑體" panose="020B0604030504040204" pitchFamily="34" charset="-120"/>
+                <a:ea typeface="微軟正黑體" panose="020B0604030504040204" pitchFamily="34" charset="-120"/>
+              </a:rPr>
+              <a:t>上網找答案</a:t>
             </a:r>
             <a:endParaRPr lang="en-US" altLang="zh-TW" dirty="0" smtClean="0">
               <a:latin typeface="微軟正黑體" panose="020B0604030504040204" pitchFamily="34" charset="-120"/>
@@ -5018,7 +5594,7 @@
                 <a:latin typeface="微軟正黑體" panose="020B0604030504040204" pitchFamily="34" charset="-120"/>
                 <a:ea typeface="微軟正黑體" panose="020B0604030504040204" pitchFamily="34" charset="-120"/>
               </a:rPr>
-              <a:t>在安裝</a:t>
+              <a:t>最後是要在安裝</a:t>
             </a:r>
             <a:r>
               <a:rPr lang="en-US" altLang="zh-TW" dirty="0" err="1" smtClean="0">
@@ -5032,63 +5608,35 @@
                 <a:latin typeface="微軟正黑體" panose="020B0604030504040204" pitchFamily="34" charset="-120"/>
                 <a:ea typeface="微軟正黑體" panose="020B0604030504040204" pitchFamily="34" charset="-120"/>
               </a:rPr>
-              <a:t>時，一直顯示</a:t>
+              <a:t>之前先進</a:t>
             </a:r>
             <a:r>
               <a:rPr lang="en-US" altLang="zh-TW" dirty="0" smtClean="0">
                 <a:latin typeface="微軟正黑體" panose="020B0604030504040204" pitchFamily="34" charset="-120"/>
                 <a:ea typeface="微軟正黑體" panose="020B0604030504040204" pitchFamily="34" charset="-120"/>
               </a:rPr>
-              <a:t>Error</a:t>
+              <a:t>Bias</a:t>
             </a:r>
             <a:r>
               <a:rPr lang="zh-TW" altLang="en-US" dirty="0" smtClean="0">
                 <a:latin typeface="微軟正黑體" panose="020B0604030504040204" pitchFamily="34" charset="-120"/>
                 <a:ea typeface="微軟正黑體" panose="020B0604030504040204" pitchFamily="34" charset="-120"/>
               </a:rPr>
-              <a:t> </a:t>
+              <a:t>系統把</a:t>
             </a:r>
             <a:r>
               <a:rPr lang="en-US" altLang="zh-TW" dirty="0" smtClean="0">
                 <a:latin typeface="微軟正黑體" panose="020B0604030504040204" pitchFamily="34" charset="-120"/>
                 <a:ea typeface="微軟正黑體" panose="020B0604030504040204" pitchFamily="34" charset="-120"/>
               </a:rPr>
-              <a:t>(</a:t>
+              <a:t>VM</a:t>
             </a:r>
             <a:r>
               <a:rPr lang="zh-TW" altLang="en-US" dirty="0" smtClean="0">
                 <a:latin typeface="微軟正黑體" panose="020B0604030504040204" pitchFamily="34" charset="-120"/>
                 <a:ea typeface="微軟正黑體" panose="020B0604030504040204" pitchFamily="34" charset="-120"/>
               </a:rPr>
-              <a:t>是老師上課時沒有提過的</a:t>
-            </a:r>
-            <a:r>
-              <a:rPr lang="en-US" altLang="zh-TW" dirty="0" smtClean="0">
-                <a:latin typeface="微軟正黑體" panose="020B0604030504040204" pitchFamily="34" charset="-120"/>
-                <a:ea typeface="微軟正黑體" panose="020B0604030504040204" pitchFamily="34" charset="-120"/>
-              </a:rPr>
-              <a:t>Error)</a:t>
-            </a:r>
-            <a:r>
-              <a:rPr lang="zh-TW" altLang="en-US" dirty="0" smtClean="0">
-                <a:latin typeface="微軟正黑體" panose="020B0604030504040204" pitchFamily="34" charset="-120"/>
-                <a:ea typeface="微軟正黑體" panose="020B0604030504040204" pitchFamily="34" charset="-120"/>
-              </a:rPr>
-              <a:t>，後來想說在學校實驗室電腦</a:t>
-            </a:r>
-            <a:r>
-              <a:rPr lang="en-US" altLang="zh-TW" dirty="0" smtClean="0">
-                <a:latin typeface="微軟正黑體" panose="020B0604030504040204" pitchFamily="34" charset="-120"/>
-                <a:ea typeface="微軟正黑體" panose="020B0604030504040204" pitchFamily="34" charset="-120"/>
-              </a:rPr>
-              <a:t>(Win 10)</a:t>
-            </a:r>
-            <a:r>
-              <a:rPr lang="zh-TW" altLang="en-US" dirty="0" smtClean="0">
-                <a:latin typeface="微軟正黑體" panose="020B0604030504040204" pitchFamily="34" charset="-120"/>
-                <a:ea typeface="微軟正黑體" panose="020B0604030504040204" pitchFamily="34" charset="-120"/>
-              </a:rPr>
-              <a:t>試試看，結果出現一樣的問題。</a:t>
+              <a:t>打開</a:t>
             </a:r>
             <a:endParaRPr lang="en-US" altLang="zh-TW" dirty="0" smtClean="0">
               <a:latin typeface="微軟正黑體" panose="020B0604030504040204" pitchFamily="34" charset="-120"/>
@@ -5102,21 +5650,30 @@
                 <a:latin typeface="微軟正黑體" panose="020B0604030504040204" pitchFamily="34" charset="-120"/>
                 <a:ea typeface="微軟正黑體" panose="020B0604030504040204" pitchFamily="34" charset="-120"/>
               </a:rPr>
-              <a:t>同</a:t>
+              <a:t>之後就一路順暢了</a:t>
             </a:r>
             <a:r>
               <a:rPr lang="en-US" altLang="zh-TW" dirty="0" smtClean="0">
                 <a:latin typeface="微軟正黑體" panose="020B0604030504040204" pitchFamily="34" charset="-120"/>
                 <a:ea typeface="微軟正黑體" panose="020B0604030504040204" pitchFamily="34" charset="-120"/>
               </a:rPr>
-              <a:t>lab</a:t>
+              <a:t>!</a:t>
+            </a:r>
+          </a:p>
+          <a:p>
+            <a:r>
+              <a:rPr lang="en-US" altLang="zh-TW" dirty="0" smtClean="0">
+                <a:latin typeface="微軟正黑體" panose="020B0604030504040204" pitchFamily="34" charset="-120"/>
+                <a:ea typeface="微軟正黑體" panose="020B0604030504040204" pitchFamily="34" charset="-120"/>
+              </a:rPr>
+              <a:t>d. </a:t>
             </a:r>
             <a:r>
               <a:rPr lang="zh-TW" altLang="en-US" dirty="0" smtClean="0">
                 <a:latin typeface="微軟正黑體" panose="020B0604030504040204" pitchFamily="34" charset="-120"/>
                 <a:ea typeface="微軟正黑體" panose="020B0604030504040204" pitchFamily="34" charset="-120"/>
               </a:rPr>
-              <a:t>的同學也出現一樣的問題，一起上網找答案。</a:t>
+              <a:t>若有額外安裝其它套件，請說明</a:t>
             </a:r>
             <a:endParaRPr lang="en-US" altLang="zh-TW" dirty="0" smtClean="0">
               <a:latin typeface="微軟正黑體" panose="020B0604030504040204" pitchFamily="34" charset="-120"/>
@@ -5130,113 +5687,6 @@
                 <a:latin typeface="微軟正黑體" panose="020B0604030504040204" pitchFamily="34" charset="-120"/>
                 <a:ea typeface="微軟正黑體" panose="020B0604030504040204" pitchFamily="34" charset="-120"/>
               </a:rPr>
-              <a:t>最後是要在安裝</a:t>
-            </a:r>
-            <a:r>
-              <a:rPr lang="en-US" altLang="zh-TW" dirty="0" err="1" smtClean="0">
-                <a:latin typeface="微軟正黑體" panose="020B0604030504040204" pitchFamily="34" charset="-120"/>
-                <a:ea typeface="微軟正黑體" panose="020B0604030504040204" pitchFamily="34" charset="-120"/>
-              </a:rPr>
-              <a:t>VirtualBox</a:t>
-            </a:r>
-            <a:r>
-              <a:rPr lang="zh-TW" altLang="en-US" dirty="0" smtClean="0">
-                <a:latin typeface="微軟正黑體" panose="020B0604030504040204" pitchFamily="34" charset="-120"/>
-                <a:ea typeface="微軟正黑體" panose="020B0604030504040204" pitchFamily="34" charset="-120"/>
-              </a:rPr>
-              <a:t>之前先進</a:t>
-            </a:r>
-            <a:r>
-              <a:rPr lang="en-US" altLang="zh-TW" dirty="0" smtClean="0">
-                <a:latin typeface="微軟正黑體" panose="020B0604030504040204" pitchFamily="34" charset="-120"/>
-                <a:ea typeface="微軟正黑體" panose="020B0604030504040204" pitchFamily="34" charset="-120"/>
-              </a:rPr>
-              <a:t>Bias</a:t>
-            </a:r>
-            <a:r>
-              <a:rPr lang="zh-TW" altLang="en-US" dirty="0" smtClean="0">
-                <a:latin typeface="微軟正黑體" panose="020B0604030504040204" pitchFamily="34" charset="-120"/>
-                <a:ea typeface="微軟正黑體" panose="020B0604030504040204" pitchFamily="34" charset="-120"/>
-              </a:rPr>
-              <a:t>系統把</a:t>
-            </a:r>
-            <a:r>
-              <a:rPr lang="en-US" altLang="zh-TW" dirty="0" smtClean="0">
-                <a:latin typeface="微軟正黑體" panose="020B0604030504040204" pitchFamily="34" charset="-120"/>
-                <a:ea typeface="微軟正黑體" panose="020B0604030504040204" pitchFamily="34" charset="-120"/>
-              </a:rPr>
-              <a:t>VM</a:t>
-            </a:r>
-            <a:r>
-              <a:rPr lang="zh-TW" altLang="en-US" dirty="0" smtClean="0">
-                <a:latin typeface="微軟正黑體" panose="020B0604030504040204" pitchFamily="34" charset="-120"/>
-                <a:ea typeface="微軟正黑體" panose="020B0604030504040204" pitchFamily="34" charset="-120"/>
-              </a:rPr>
-              <a:t>打開</a:t>
-            </a:r>
-            <a:endParaRPr lang="en-US" altLang="zh-TW" dirty="0" smtClean="0">
-              <a:latin typeface="微軟正黑體" panose="020B0604030504040204" pitchFamily="34" charset="-120"/>
-              <a:ea typeface="微軟正黑體" panose="020B0604030504040204" pitchFamily="34" charset="-120"/>
-            </a:endParaRPr>
-          </a:p>
-          <a:p>
-            <a:pPr lvl="1"/>
-            <a:r>
-              <a:rPr lang="zh-TW" altLang="en-US" dirty="0" smtClean="0">
-                <a:latin typeface="微軟正黑體" panose="020B0604030504040204" pitchFamily="34" charset="-120"/>
-                <a:ea typeface="微軟正黑體" panose="020B0604030504040204" pitchFamily="34" charset="-120"/>
-              </a:rPr>
-              <a:t>之後就一路順暢了</a:t>
-            </a:r>
-            <a:r>
-              <a:rPr lang="en-US" altLang="zh-TW" dirty="0" smtClean="0">
-                <a:latin typeface="微軟正黑體" panose="020B0604030504040204" pitchFamily="34" charset="-120"/>
-                <a:ea typeface="微軟正黑體" panose="020B0604030504040204" pitchFamily="34" charset="-120"/>
-              </a:rPr>
-              <a:t>!</a:t>
-            </a:r>
-          </a:p>
-          <a:p>
-            <a:r>
-              <a:rPr lang="en-US" altLang="zh-TW" dirty="0" smtClean="0">
-                <a:latin typeface="微軟正黑體" panose="020B0604030504040204" pitchFamily="34" charset="-120"/>
-                <a:ea typeface="微軟正黑體" panose="020B0604030504040204" pitchFamily="34" charset="-120"/>
-              </a:rPr>
-              <a:t>d</a:t>
-            </a:r>
-            <a:r>
-              <a:rPr lang="en-US" altLang="zh-TW" dirty="0">
-                <a:latin typeface="微軟正黑體" panose="020B0604030504040204" pitchFamily="34" charset="-120"/>
-                <a:ea typeface="微軟正黑體" panose="020B0604030504040204" pitchFamily="34" charset="-120"/>
-              </a:rPr>
-              <a:t>. </a:t>
-            </a:r>
-            <a:r>
-              <a:rPr lang="zh-TW" altLang="en-US" dirty="0">
-                <a:latin typeface="微軟正黑體" panose="020B0604030504040204" pitchFamily="34" charset="-120"/>
-                <a:ea typeface="微軟正黑體" panose="020B0604030504040204" pitchFamily="34" charset="-120"/>
-              </a:rPr>
-              <a:t>若有額外安裝其它套件，請</a:t>
-            </a:r>
-            <a:r>
-              <a:rPr lang="zh-TW" altLang="en-US" dirty="0" smtClean="0">
-                <a:latin typeface="微軟正黑體" panose="020B0604030504040204" pitchFamily="34" charset="-120"/>
-                <a:ea typeface="微軟正黑體" panose="020B0604030504040204" pitchFamily="34" charset="-120"/>
-              </a:rPr>
-              <a:t>說明</a:t>
-            </a:r>
-            <a:endParaRPr lang="en-US" altLang="zh-TW" dirty="0" smtClean="0">
-              <a:latin typeface="微軟正黑體" panose="020B0604030504040204" pitchFamily="34" charset="-120"/>
-              <a:ea typeface="微軟正黑體" panose="020B0604030504040204" pitchFamily="34" charset="-120"/>
-            </a:endParaRPr>
-          </a:p>
-          <a:p>
-            <a:pPr lvl="1"/>
-            <a:r>
-              <a:rPr lang="zh-TW" altLang="en-US" dirty="0" smtClean="0">
-                <a:latin typeface="微軟正黑體" panose="020B0604030504040204" pitchFamily="34" charset="-120"/>
-                <a:ea typeface="微軟正黑體" panose="020B0604030504040204" pitchFamily="34" charset="-120"/>
-              </a:rPr>
               <a:t>無</a:t>
             </a:r>
             <a:endParaRPr lang="zh-TW" altLang="en-US" dirty="0">
@@ -5246,6 +5696,36 @@
           </a:p>
         </p:txBody>
       </p:sp>
+      <p:pic>
+        <p:nvPicPr>
+          <p:cNvPr id="4" name="圖片 3"/>
+          <p:cNvPicPr>
+            <a:picLocks noChangeAspect="1"/>
+          </p:cNvPicPr>
+          <p:nvPr/>
+        </p:nvPicPr>
+        <p:blipFill>
+          <a:blip r:embed="rId2">
+            <a:extLst>
+              <a:ext uri="{28A0092B-C50C-407E-A947-70E740481C1C}">
+                <a14:useLocalDpi xmlns:a14="http://schemas.microsoft.com/office/drawing/2010/main" val="0"/>
+              </a:ext>
+            </a:extLst>
+          </a:blip>
+          <a:stretch>
+            <a:fillRect/>
+          </a:stretch>
+        </p:blipFill>
+        <p:spPr>
+          <a:xfrm>
+            <a:off x="6176501" y="1976366"/>
+            <a:ext cx="6086103" cy="1194350"/>
+          </a:xfrm>
+          <a:prstGeom prst="rect">
+            <a:avLst/>
+          </a:prstGeom>
+        </p:spPr>
+      </p:pic>
     </p:spTree>
     <p:extLst>
       <p:ext uri="{BB962C8B-B14F-4D97-AF65-F5344CB8AC3E}">
@@ -5324,14 +5804,14 @@
                 <a:latin typeface="微軟正黑體" panose="020B0604030504040204" pitchFamily="34" charset="-120"/>
                 <a:ea typeface="微軟正黑體" panose="020B0604030504040204" pitchFamily="34" charset="-120"/>
               </a:rPr>
-              <a:t> Key word : </a:t>
-            </a:r>
-            <a:r>
-              <a:rPr lang="en-US" altLang="zh-TW" sz="3200" b="1" dirty="0" smtClean="0">
-                <a:latin typeface="微軟正黑體" panose="020B0604030504040204" pitchFamily="34" charset="-120"/>
-                <a:ea typeface="微軟正黑體" panose="020B0604030504040204" pitchFamily="34" charset="-120"/>
-              </a:rPr>
-              <a:t>CVE</a:t>
+              <a:t> </a:t>
+            </a:r>
+            <a:r>
+              <a:rPr lang="en-US" altLang="zh-TW" sz="3200" b="1" dirty="0" err="1" smtClean="0">
+                <a:latin typeface="微軟正黑體" panose="020B0604030504040204" pitchFamily="34" charset="-120"/>
+                <a:ea typeface="微軟正黑體" panose="020B0604030504040204" pitchFamily="34" charset="-120"/>
+              </a:rPr>
+              <a:t>Github</a:t>
             </a:r>
             <a:endParaRPr lang="zh-TW" altLang="en-US" sz="3200" b="1" dirty="0">
               <a:latin typeface="微軟正黑體" panose="020B0604030504040204" pitchFamily="34" charset="-120"/>
@@ -5369,46 +5849,25 @@
               <a:buChar char=" "/>
             </a:pPr>
             <a:r>
-              <a:rPr lang="en-US" altLang="zh-TW" sz="2000" dirty="0" smtClean="0">
-                <a:latin typeface="微軟正黑體" panose="020B0604030504040204" pitchFamily="34" charset="-120"/>
-                <a:ea typeface="微軟正黑體" panose="020B0604030504040204" pitchFamily="34" charset="-120"/>
-              </a:rPr>
-              <a:t>a</a:t>
-            </a:r>
-            <a:r>
-              <a:rPr lang="en-US" altLang="zh-TW" sz="2000" dirty="0">
-                <a:latin typeface="微軟正黑體" panose="020B0604030504040204" pitchFamily="34" charset="-120"/>
-                <a:ea typeface="微軟正黑體" panose="020B0604030504040204" pitchFamily="34" charset="-120"/>
-              </a:rPr>
-              <a:t>. </a:t>
-            </a:r>
-            <a:r>
-              <a:rPr lang="zh-TW" altLang="en-US" sz="2000" dirty="0" smtClean="0">
-                <a:latin typeface="微軟正黑體" panose="020B0604030504040204" pitchFamily="34" charset="-120"/>
-                <a:ea typeface="微軟正黑體" panose="020B0604030504040204" pitchFamily="34" charset="-120"/>
-              </a:rPr>
-              <a:t>共有</a:t>
-            </a:r>
-            <a:r>
-              <a:rPr lang="en-US" altLang="zh-TW" sz="2000" b="1" u="sng" dirty="0" smtClean="0">
-                <a:latin typeface="微軟正黑體" panose="020B0604030504040204" pitchFamily="34" charset="-120"/>
-                <a:ea typeface="微軟正黑體" panose="020B0604030504040204" pitchFamily="34" charset="-120"/>
-              </a:rPr>
-              <a:t>47</a:t>
-            </a:r>
-            <a:r>
-              <a:rPr lang="zh-TW" altLang="en-US" sz="2000" dirty="0" smtClean="0">
-                <a:latin typeface="微軟正黑體" panose="020B0604030504040204" pitchFamily="34" charset="-120"/>
-                <a:ea typeface="微軟正黑體" panose="020B0604030504040204" pitchFamily="34" charset="-120"/>
-              </a:rPr>
-              <a:t>個</a:t>
-            </a:r>
-            <a:r>
-              <a:rPr lang="en-US" altLang="zh-TW" sz="2000" dirty="0" smtClean="0">
-                <a:latin typeface="微軟正黑體" panose="020B0604030504040204" pitchFamily="34" charset="-120"/>
-                <a:ea typeface="微軟正黑體" panose="020B0604030504040204" pitchFamily="34" charset="-120"/>
-              </a:rPr>
-              <a:t>Twitter</a:t>
+              <a:rPr lang="en-US" altLang="zh-TW" sz="2400" dirty="0" smtClean="0">
+                <a:latin typeface="微軟正黑體" panose="020B0604030504040204" pitchFamily="34" charset="-120"/>
+                <a:ea typeface="微軟正黑體" panose="020B0604030504040204" pitchFamily="34" charset="-120"/>
+              </a:rPr>
+              <a:t>My </a:t>
+            </a:r>
+            <a:r>
+              <a:rPr lang="en-US" altLang="zh-TW" sz="2400" dirty="0" err="1" smtClean="0">
+                <a:latin typeface="微軟正黑體" panose="020B0604030504040204" pitchFamily="34" charset="-120"/>
+                <a:ea typeface="微軟正黑體" panose="020B0604030504040204" pitchFamily="34" charset="-120"/>
+              </a:rPr>
+              <a:t>Github</a:t>
+            </a:r>
+            <a:r>
+              <a:rPr lang="en-US" altLang="zh-TW" sz="2400" dirty="0" smtClean="0">
+                <a:latin typeface="微軟正黑體" panose="020B0604030504040204" pitchFamily="34" charset="-120"/>
+                <a:ea typeface="微軟正黑體" panose="020B0604030504040204" pitchFamily="34" charset="-120"/>
+              </a:rPr>
+              <a:t> :</a:t>
             </a:r>
           </a:p>
           <a:p>
@@ -5424,7 +5883,268 @@
               <a:buChar char=" "/>
             </a:pPr>
             <a:r>
+              <a:rPr lang="en-US" altLang="zh-TW" sz="2000" dirty="0">
+                <a:solidFill>
+                  <a:srgbClr val="002060"/>
+                </a:solidFill>
+                <a:latin typeface="微軟正黑體" panose="020B0604030504040204" pitchFamily="34" charset="-120"/>
+                <a:ea typeface="微軟正黑體" panose="020B0604030504040204" pitchFamily="34" charset="-120"/>
+                <a:hlinkClick r:id="rId2"/>
+              </a:rPr>
+              <a:t>https://</a:t>
+            </a:r>
+            <a:r>
               <a:rPr lang="en-US" altLang="zh-TW" sz="2000" dirty="0" smtClean="0">
+                <a:solidFill>
+                  <a:srgbClr val="002060"/>
+                </a:solidFill>
+                <a:latin typeface="微軟正黑體" panose="020B0604030504040204" pitchFamily="34" charset="-120"/>
+                <a:ea typeface="微軟正黑體" panose="020B0604030504040204" pitchFamily="34" charset="-120"/>
+                <a:hlinkClick r:id="rId2"/>
+              </a:rPr>
+              <a:t>github.com/savinachan</a:t>
+            </a:r>
+            <a:endParaRPr lang="en-US" altLang="zh-TW" sz="2000" dirty="0">
+              <a:solidFill>
+                <a:srgbClr val="002060"/>
+              </a:solidFill>
+              <a:latin typeface="微軟正黑體" panose="020B0604030504040204" pitchFamily="34" charset="-120"/>
+              <a:ea typeface="微軟正黑體" panose="020B0604030504040204" pitchFamily="34" charset="-120"/>
+            </a:endParaRPr>
+          </a:p>
+          <a:p>
+            <a:pPr marL="91440" lvl="1" indent="-91440">
+              <a:spcBef>
+                <a:spcPts val="1200"/>
+              </a:spcBef>
+              <a:spcAft>
+                <a:spcPts val="200"/>
+              </a:spcAft>
+              <a:buSzPct val="100000"/>
+              <a:buFont typeface="Calibri" panose="020F0502020204030204" pitchFamily="34" charset="0"/>
+              <a:buChar char=" "/>
+            </a:pPr>
+            <a:r>
+              <a:rPr lang="en-US" altLang="zh-TW" sz="2000" dirty="0">
+                <a:latin typeface="微軟正黑體" panose="020B0604030504040204" pitchFamily="34" charset="-120"/>
+                <a:ea typeface="微軟正黑體" panose="020B0604030504040204" pitchFamily="34" charset="-120"/>
+              </a:rPr>
+              <a:t>2016_Social_Network_Analysis_Homework</a:t>
+            </a:r>
+            <a:endParaRPr lang="en-US" altLang="zh-TW" sz="2000" dirty="0" smtClean="0">
+              <a:latin typeface="微軟正黑體" panose="020B0604030504040204" pitchFamily="34" charset="-120"/>
+              <a:ea typeface="微軟正黑體" panose="020B0604030504040204" pitchFamily="34" charset="-120"/>
+            </a:endParaRPr>
+          </a:p>
+        </p:txBody>
+      </p:sp>
+    </p:spTree>
+    <p:extLst>
+      <p:ext uri="{BB962C8B-B14F-4D97-AF65-F5344CB8AC3E}">
+        <p14:creationId xmlns:p14="http://schemas.microsoft.com/office/powerpoint/2010/main" val="1620042564"/>
+      </p:ext>
+    </p:extLst>
+  </p:cSld>
+  <p:clrMapOvr>
+    <a:masterClrMapping/>
+  </p:clrMapOvr>
+  <p:timing>
+    <p:tnLst>
+      <p:par>
+        <p:cTn id="1" dur="indefinite" restart="never" nodeType="tmRoot"/>
+      </p:par>
+    </p:tnLst>
+  </p:timing>
+</p:sld>
+</file>
+
+<file path=ppt/slides/slide4.xml><?xml version="1.0" encoding="utf-8"?>
+<p:sld xmlns:a="http://schemas.openxmlformats.org/drawingml/2006/main" xmlns:r="http://schemas.openxmlformats.org/officeDocument/2006/relationships" xmlns:p="http://schemas.openxmlformats.org/presentationml/2006/main">
+  <p:cSld>
+    <p:spTree>
+      <p:nvGrpSpPr>
+        <p:cNvPr id="1" name=""/>
+        <p:cNvGrpSpPr/>
+        <p:nvPr/>
+      </p:nvGrpSpPr>
+      <p:grpSpPr>
+        <a:xfrm>
+          <a:off x="0" y="0"/>
+          <a:ext cx="0" cy="0"/>
+          <a:chOff x="0" y="0"/>
+          <a:chExt cx="0" cy="0"/>
+        </a:xfrm>
+      </p:grpSpPr>
+      <p:sp>
+        <p:nvSpPr>
+          <p:cNvPr id="2" name="標題 1"/>
+          <p:cNvSpPr>
+            <a:spLocks noGrp="1"/>
+          </p:cNvSpPr>
+          <p:nvPr>
+            <p:ph type="title"/>
+          </p:nvPr>
+        </p:nvSpPr>
+        <p:spPr>
+          <a:xfrm>
+            <a:off x="1097280" y="412124"/>
+            <a:ext cx="10058400" cy="1325236"/>
+          </a:xfrm>
+        </p:spPr>
+        <p:txBody>
+          <a:bodyPr>
+            <a:noAutofit/>
+          </a:bodyPr>
+          <a:lstStyle/>
+          <a:p>
+            <a:r>
+              <a:rPr lang="en-US" altLang="zh-TW" sz="3200" b="1" dirty="0">
+                <a:latin typeface="微軟正黑體" panose="020B0604030504040204" pitchFamily="34" charset="-120"/>
+                <a:ea typeface="微軟正黑體" panose="020B0604030504040204" pitchFamily="34" charset="-120"/>
+              </a:rPr>
+              <a:t>2</a:t>
+            </a:r>
+            <a:r>
+              <a:rPr lang="en-US" altLang="zh-TW" sz="3200" b="1" dirty="0" smtClean="0">
+                <a:latin typeface="微軟正黑體" panose="020B0604030504040204" pitchFamily="34" charset="-120"/>
+                <a:ea typeface="微軟正黑體" panose="020B0604030504040204" pitchFamily="34" charset="-120"/>
+              </a:rPr>
+              <a:t>.</a:t>
+            </a:r>
+            <a:r>
+              <a:rPr lang="en-US" altLang="zh-TW" sz="3200" b="1" dirty="0">
+                <a:latin typeface="微軟正黑體" panose="020B0604030504040204" pitchFamily="34" charset="-120"/>
+                <a:ea typeface="微軟正黑體" panose="020B0604030504040204" pitchFamily="34" charset="-120"/>
+              </a:rPr>
+              <a:t> Key word : </a:t>
+            </a:r>
+            <a:r>
+              <a:rPr lang="en-US" altLang="zh-TW" sz="3200" b="1" dirty="0" smtClean="0">
+                <a:latin typeface="微軟正黑體" panose="020B0604030504040204" pitchFamily="34" charset="-120"/>
+                <a:ea typeface="微軟正黑體" panose="020B0604030504040204" pitchFamily="34" charset="-120"/>
+              </a:rPr>
+              <a:t>CVE (</a:t>
+            </a:r>
+            <a:r>
+              <a:rPr lang="zh-TW" altLang="en-US" sz="3200" b="1" dirty="0" smtClean="0">
+                <a:latin typeface="微軟正黑體" panose="020B0604030504040204" pitchFamily="34" charset="-120"/>
+                <a:ea typeface="微軟正黑體" panose="020B0604030504040204" pitchFamily="34" charset="-120"/>
+              </a:rPr>
+              <a:t>時間</a:t>
+            </a:r>
+            <a:r>
+              <a:rPr lang="en-US" altLang="zh-TW" sz="3200" b="1" dirty="0" smtClean="0">
+                <a:latin typeface="微軟正黑體" panose="020B0604030504040204" pitchFamily="34" charset="-120"/>
+                <a:ea typeface="微軟正黑體" panose="020B0604030504040204" pitchFamily="34" charset="-120"/>
+              </a:rPr>
+              <a:t>:2014</a:t>
+            </a:r>
+            <a:r>
+              <a:rPr lang="zh-TW" altLang="en-US" sz="3200" b="1" dirty="0" smtClean="0">
+                <a:latin typeface="微軟正黑體" panose="020B0604030504040204" pitchFamily="34" charset="-120"/>
+                <a:ea typeface="微軟正黑體" panose="020B0604030504040204" pitchFamily="34" charset="-120"/>
+              </a:rPr>
+              <a:t>一整年</a:t>
+            </a:r>
+            <a:r>
+              <a:rPr lang="en-US" altLang="zh-TW" sz="3200" b="1" dirty="0" smtClean="0">
+                <a:latin typeface="微軟正黑體" panose="020B0604030504040204" pitchFamily="34" charset="-120"/>
+                <a:ea typeface="微軟正黑體" panose="020B0604030504040204" pitchFamily="34" charset="-120"/>
+              </a:rPr>
+              <a:t>)</a:t>
+            </a:r>
+            <a:endParaRPr lang="zh-TW" altLang="en-US" sz="3200" b="1" dirty="0">
+              <a:latin typeface="微軟正黑體" panose="020B0604030504040204" pitchFamily="34" charset="-120"/>
+              <a:ea typeface="微軟正黑體" panose="020B0604030504040204" pitchFamily="34" charset="-120"/>
+            </a:endParaRPr>
+          </a:p>
+        </p:txBody>
+      </p:sp>
+      <p:sp>
+        <p:nvSpPr>
+          <p:cNvPr id="3" name="內容版面配置區 2"/>
+          <p:cNvSpPr>
+            <a:spLocks noGrp="1"/>
+          </p:cNvSpPr>
+          <p:nvPr>
+            <p:ph idx="1"/>
+          </p:nvPr>
+        </p:nvSpPr>
+        <p:spPr/>
+        <p:txBody>
+          <a:bodyPr>
+            <a:normAutofit/>
+          </a:bodyPr>
+          <a:lstStyle/>
+          <a:p>
+            <a:pPr marL="91440" lvl="1" indent="-91440">
+              <a:spcBef>
+                <a:spcPts val="1200"/>
+              </a:spcBef>
+              <a:spcAft>
+                <a:spcPts val="200"/>
+              </a:spcAft>
+              <a:buSzPct val="100000"/>
+              <a:buFont typeface="Calibri" panose="020F0502020204030204" pitchFamily="34" charset="0"/>
+              <a:buChar char=" "/>
+            </a:pPr>
+            <a:r>
+              <a:rPr lang="en-US" altLang="zh-TW" sz="2000" dirty="0" smtClean="0">
+                <a:latin typeface="微軟正黑體" panose="020B0604030504040204" pitchFamily="34" charset="-120"/>
+                <a:ea typeface="微軟正黑體" panose="020B0604030504040204" pitchFamily="34" charset="-120"/>
+              </a:rPr>
+              <a:t>a</a:t>
+            </a:r>
+            <a:r>
+              <a:rPr lang="en-US" altLang="zh-TW" sz="2000" dirty="0">
+                <a:latin typeface="微軟正黑體" panose="020B0604030504040204" pitchFamily="34" charset="-120"/>
+                <a:ea typeface="微軟正黑體" panose="020B0604030504040204" pitchFamily="34" charset="-120"/>
+              </a:rPr>
+              <a:t>. </a:t>
+            </a:r>
+            <a:r>
+              <a:rPr lang="zh-TW" altLang="en-US" sz="2000" dirty="0" smtClean="0">
+                <a:latin typeface="微軟正黑體" panose="020B0604030504040204" pitchFamily="34" charset="-120"/>
+                <a:ea typeface="微軟正黑體" panose="020B0604030504040204" pitchFamily="34" charset="-120"/>
+              </a:rPr>
+              <a:t>共有</a:t>
+            </a:r>
+            <a:r>
+              <a:rPr lang="en-US" altLang="zh-TW" sz="2000" b="1" u="sng" dirty="0" smtClean="0">
+                <a:latin typeface="微軟正黑體" panose="020B0604030504040204" pitchFamily="34" charset="-120"/>
+                <a:ea typeface="微軟正黑體" panose="020B0604030504040204" pitchFamily="34" charset="-120"/>
+              </a:rPr>
+              <a:t>47</a:t>
+            </a:r>
+            <a:r>
+              <a:rPr lang="zh-TW" altLang="en-US" sz="2000" dirty="0" smtClean="0">
+                <a:latin typeface="微軟正黑體" panose="020B0604030504040204" pitchFamily="34" charset="-120"/>
+                <a:ea typeface="微軟正黑體" panose="020B0604030504040204" pitchFamily="34" charset="-120"/>
+              </a:rPr>
+              <a:t>個</a:t>
+            </a:r>
+            <a:r>
+              <a:rPr lang="en-US" altLang="zh-TW" sz="2000" dirty="0" smtClean="0">
+                <a:latin typeface="微軟正黑體" panose="020B0604030504040204" pitchFamily="34" charset="-120"/>
+                <a:ea typeface="微軟正黑體" panose="020B0604030504040204" pitchFamily="34" charset="-120"/>
+              </a:rPr>
+              <a:t>Twitter</a:t>
+            </a:r>
+          </a:p>
+          <a:p>
+            <a:pPr marL="91440" lvl="1" indent="-91440">
+              <a:spcBef>
+                <a:spcPts val="1200"/>
+              </a:spcBef>
+              <a:spcAft>
+                <a:spcPts val="200"/>
+              </a:spcAft>
+              <a:buSzPct val="100000"/>
+              <a:buFont typeface="Calibri" panose="020F0502020204030204" pitchFamily="34" charset="0"/>
+              <a:buChar char=" "/>
+            </a:pPr>
+            <a:r>
+              <a:rPr lang="en-US" altLang="zh-TW" sz="2000" dirty="0" smtClean="0">
                 <a:latin typeface="微軟正黑體" panose="020B0604030504040204" pitchFamily="34" charset="-120"/>
                 <a:ea typeface="微軟正黑體" panose="020B0604030504040204" pitchFamily="34" charset="-120"/>
               </a:rPr>
@@ -5479,7 +6199,280 @@
                 <a:latin typeface="微軟正黑體" panose="020B0604030504040204" pitchFamily="34" charset="-120"/>
                 <a:ea typeface="微軟正黑體" panose="020B0604030504040204" pitchFamily="34" charset="-120"/>
               </a:rPr>
-              <a:t>能否分析資安弱點分析指標帳號？如何分析？</a:t>
+              <a:t>能否分析資安弱點分析指標帳號？如何分析</a:t>
+            </a:r>
+            <a:r>
+              <a:rPr lang="zh-TW" altLang="en-US" dirty="0" smtClean="0">
+                <a:latin typeface="微軟正黑體" panose="020B0604030504040204" pitchFamily="34" charset="-120"/>
+                <a:ea typeface="微軟正黑體" panose="020B0604030504040204" pitchFamily="34" charset="-120"/>
+              </a:rPr>
+              <a:t>？</a:t>
+            </a:r>
+            <a:endParaRPr lang="en-US" altLang="zh-TW" dirty="0" smtClean="0">
+              <a:latin typeface="微軟正黑體" panose="020B0604030504040204" pitchFamily="34" charset="-120"/>
+              <a:ea typeface="微軟正黑體" panose="020B0604030504040204" pitchFamily="34" charset="-120"/>
+            </a:endParaRPr>
+          </a:p>
+          <a:p>
+            <a:pPr lvl="1"/>
+            <a:r>
+              <a:rPr lang="zh-TW" altLang="en-US" dirty="0" smtClean="0">
+                <a:latin typeface="微軟正黑體" panose="020B0604030504040204" pitchFamily="34" charset="-120"/>
+                <a:ea typeface="微軟正黑體" panose="020B0604030504040204" pitchFamily="34" charset="-120"/>
+              </a:rPr>
+              <a:t>以</a:t>
+            </a:r>
+            <a:r>
+              <a:rPr lang="en-US" altLang="zh-TW" dirty="0" err="1" smtClean="0">
+                <a:latin typeface="微軟正黑體" panose="020B0604030504040204" pitchFamily="34" charset="-120"/>
+                <a:ea typeface="微軟正黑體" panose="020B0604030504040204" pitchFamily="34" charset="-120"/>
+              </a:rPr>
+              <a:t>twitter_id</a:t>
+            </a:r>
+            <a:r>
+              <a:rPr lang="zh-TW" altLang="en-US" dirty="0" smtClean="0">
+                <a:latin typeface="微軟正黑體" panose="020B0604030504040204" pitchFamily="34" charset="-120"/>
+                <a:ea typeface="微軟正黑體" panose="020B0604030504040204" pitchFamily="34" charset="-120"/>
+              </a:rPr>
+              <a:t>做</a:t>
+            </a:r>
+            <a:r>
+              <a:rPr lang="en-US" altLang="zh-TW" dirty="0" smtClean="0">
+                <a:latin typeface="微軟正黑體" panose="020B0604030504040204" pitchFamily="34" charset="-120"/>
+                <a:ea typeface="微軟正黑體" panose="020B0604030504040204" pitchFamily="34" charset="-120"/>
+              </a:rPr>
+              <a:t>aggregation</a:t>
+            </a:r>
+            <a:r>
+              <a:rPr lang="zh-TW" altLang="en-US" dirty="0" smtClean="0">
+                <a:latin typeface="微軟正黑體" panose="020B0604030504040204" pitchFamily="34" charset="-120"/>
+                <a:ea typeface="微軟正黑體" panose="020B0604030504040204" pitchFamily="34" charset="-120"/>
+              </a:rPr>
+              <a:t>，可以撈出一些相對較常發關於</a:t>
+            </a:r>
+            <a:r>
+              <a:rPr lang="en-US" altLang="zh-TW" dirty="0" err="1" smtClean="0">
+                <a:latin typeface="微軟正黑體" panose="020B0604030504040204" pitchFamily="34" charset="-120"/>
+                <a:ea typeface="微軟正黑體" panose="020B0604030504040204" pitchFamily="34" charset="-120"/>
+              </a:rPr>
+              <a:t>cve</a:t>
+            </a:r>
+            <a:r>
+              <a:rPr lang="zh-TW" altLang="en-US" dirty="0" smtClean="0">
+                <a:latin typeface="微軟正黑體" panose="020B0604030504040204" pitchFamily="34" charset="-120"/>
+                <a:ea typeface="微軟正黑體" panose="020B0604030504040204" pitchFamily="34" charset="-120"/>
+              </a:rPr>
+              <a:t>關鍵字</a:t>
+            </a:r>
+            <a:r>
+              <a:rPr lang="en-US" altLang="zh-TW" dirty="0" smtClean="0">
+                <a:latin typeface="微軟正黑體" panose="020B0604030504040204" pitchFamily="34" charset="-120"/>
+                <a:ea typeface="微軟正黑體" panose="020B0604030504040204" pitchFamily="34" charset="-120"/>
+              </a:rPr>
+              <a:t>tweet</a:t>
+            </a:r>
+            <a:r>
+              <a:rPr lang="zh-TW" altLang="en-US" dirty="0" smtClean="0">
+                <a:latin typeface="微軟正黑體" panose="020B0604030504040204" pitchFamily="34" charset="-120"/>
+                <a:ea typeface="微軟正黑體" panose="020B0604030504040204" pitchFamily="34" charset="-120"/>
+              </a:rPr>
+              <a:t>的帳號。</a:t>
+            </a:r>
+            <a:endParaRPr lang="en-US" altLang="zh-TW" dirty="0" smtClean="0">
+              <a:latin typeface="微軟正黑體" panose="020B0604030504040204" pitchFamily="34" charset="-120"/>
+              <a:ea typeface="微軟正黑體" panose="020B0604030504040204" pitchFamily="34" charset="-120"/>
+            </a:endParaRPr>
+          </a:p>
+          <a:p>
+            <a:pPr lvl="1"/>
+            <a:r>
+              <a:rPr lang="zh-TW" altLang="en-US" dirty="0" smtClean="0">
+                <a:latin typeface="微軟正黑體" panose="020B0604030504040204" pitchFamily="34" charset="-120"/>
+                <a:ea typeface="微軟正黑體" panose="020B0604030504040204" pitchFamily="34" charset="-120"/>
+              </a:rPr>
+              <a:t>再對照</a:t>
+            </a:r>
+            <a:r>
+              <a:rPr lang="en-US" altLang="zh-TW" dirty="0" smtClean="0">
+                <a:latin typeface="微軟正黑體" panose="020B0604030504040204" pitchFamily="34" charset="-120"/>
+                <a:ea typeface="微軟正黑體" panose="020B0604030504040204" pitchFamily="34" charset="-120"/>
+              </a:rPr>
+              <a:t>tweet</a:t>
+            </a:r>
+            <a:r>
+              <a:rPr lang="zh-TW" altLang="en-US" dirty="0" smtClean="0">
+                <a:latin typeface="微軟正黑體" panose="020B0604030504040204" pitchFamily="34" charset="-120"/>
+                <a:ea typeface="微軟正黑體" panose="020B0604030504040204" pitchFamily="34" charset="-120"/>
+              </a:rPr>
+              <a:t>以及</a:t>
+            </a:r>
+            <a:r>
+              <a:rPr lang="en-US" altLang="zh-TW" dirty="0" smtClean="0">
+                <a:latin typeface="微軟正黑體" panose="020B0604030504040204" pitchFamily="34" charset="-120"/>
+                <a:ea typeface="微軟正黑體" panose="020B0604030504040204" pitchFamily="34" charset="-120"/>
+              </a:rPr>
+              <a:t>twitter</a:t>
+            </a:r>
+            <a:r>
+              <a:rPr lang="zh-TW" altLang="en-US" dirty="0" smtClean="0">
+                <a:latin typeface="微軟正黑體" panose="020B0604030504040204" pitchFamily="34" charset="-120"/>
+                <a:ea typeface="微軟正黑體" panose="020B0604030504040204" pitchFamily="34" charset="-120"/>
+              </a:rPr>
+              <a:t>各月份的長條圖。</a:t>
+            </a:r>
+            <a:endParaRPr lang="en-US" altLang="zh-TW" dirty="0" smtClean="0">
+              <a:latin typeface="微軟正黑體" panose="020B0604030504040204" pitchFamily="34" charset="-120"/>
+              <a:ea typeface="微軟正黑體" panose="020B0604030504040204" pitchFamily="34" charset="-120"/>
+            </a:endParaRPr>
+          </a:p>
+          <a:p>
+            <a:pPr lvl="1"/>
+            <a:r>
+              <a:rPr lang="zh-TW" altLang="en-US" dirty="0" smtClean="0">
+                <a:latin typeface="微軟正黑體" panose="020B0604030504040204" pitchFamily="34" charset="-120"/>
+                <a:ea typeface="微軟正黑體" panose="020B0604030504040204" pitchFamily="34" charset="-120"/>
+              </a:rPr>
+              <a:t>可以發現在</a:t>
+            </a:r>
+            <a:r>
+              <a:rPr lang="en-US" altLang="zh-TW" dirty="0" smtClean="0">
+                <a:latin typeface="微軟正黑體" panose="020B0604030504040204" pitchFamily="34" charset="-120"/>
+                <a:ea typeface="微軟正黑體" panose="020B0604030504040204" pitchFamily="34" charset="-120"/>
+              </a:rPr>
+              <a:t>9,10</a:t>
+            </a:r>
+            <a:r>
+              <a:rPr lang="zh-TW" altLang="en-US" dirty="0" smtClean="0">
+                <a:latin typeface="微軟正黑體" panose="020B0604030504040204" pitchFamily="34" charset="-120"/>
+                <a:ea typeface="微軟正黑體" panose="020B0604030504040204" pitchFamily="34" charset="-120"/>
+              </a:rPr>
+              <a:t>月是關鍵字</a:t>
+            </a:r>
+            <a:r>
+              <a:rPr lang="en-US" altLang="zh-TW" dirty="0" err="1" smtClean="0">
+                <a:latin typeface="微軟正黑體" panose="020B0604030504040204" pitchFamily="34" charset="-120"/>
+                <a:ea typeface="微軟正黑體" panose="020B0604030504040204" pitchFamily="34" charset="-120"/>
+              </a:rPr>
+              <a:t>cve</a:t>
+            </a:r>
+            <a:r>
+              <a:rPr lang="zh-TW" altLang="en-US" dirty="0" smtClean="0">
+                <a:latin typeface="微軟正黑體" panose="020B0604030504040204" pitchFamily="34" charset="-120"/>
+                <a:ea typeface="微軟正黑體" panose="020B0604030504040204" pitchFamily="34" charset="-120"/>
+              </a:rPr>
+              <a:t>最</a:t>
+            </a:r>
+            <a:r>
+              <a:rPr lang="zh-TW" altLang="en-US" dirty="0">
+                <a:latin typeface="微軟正黑體" panose="020B0604030504040204" pitchFamily="34" charset="-120"/>
+                <a:ea typeface="微軟正黑體" panose="020B0604030504040204" pitchFamily="34" charset="-120"/>
+              </a:rPr>
+              <a:t>常</a:t>
+            </a:r>
+            <a:r>
+              <a:rPr lang="zh-TW" altLang="en-US" dirty="0" smtClean="0">
+                <a:latin typeface="微軟正黑體" panose="020B0604030504040204" pitchFamily="34" charset="-120"/>
+                <a:ea typeface="微軟正黑體" panose="020B0604030504040204" pitchFamily="34" charset="-120"/>
+              </a:rPr>
+              <a:t>出現的月份。</a:t>
+            </a:r>
+            <a:endParaRPr lang="en-US" altLang="zh-TW" dirty="0" smtClean="0">
+              <a:latin typeface="微軟正黑體" panose="020B0604030504040204" pitchFamily="34" charset="-120"/>
+              <a:ea typeface="微軟正黑體" panose="020B0604030504040204" pitchFamily="34" charset="-120"/>
+            </a:endParaRPr>
+          </a:p>
+          <a:p>
+            <a:pPr lvl="1"/>
+            <a:r>
+              <a:rPr lang="zh-TW" altLang="en-US" dirty="0" smtClean="0">
+                <a:latin typeface="微軟正黑體" panose="020B0604030504040204" pitchFamily="34" charset="-120"/>
+                <a:ea typeface="微軟正黑體" panose="020B0604030504040204" pitchFamily="34" charset="-120"/>
+              </a:rPr>
+              <a:t>在</a:t>
+            </a:r>
+            <a:r>
+              <a:rPr lang="en-US" altLang="zh-TW" dirty="0" smtClean="0">
+                <a:latin typeface="微軟正黑體" panose="020B0604030504040204" pitchFamily="34" charset="-120"/>
+                <a:ea typeface="微軟正黑體" panose="020B0604030504040204" pitchFamily="34" charset="-120"/>
+              </a:rPr>
+              <a:t>11</a:t>
+            </a:r>
+            <a:r>
+              <a:rPr lang="zh-TW" altLang="en-US" dirty="0" smtClean="0">
+                <a:latin typeface="微軟正黑體" panose="020B0604030504040204" pitchFamily="34" charset="-120"/>
+                <a:ea typeface="微軟正黑體" panose="020B0604030504040204" pitchFamily="34" charset="-120"/>
+              </a:rPr>
+              <a:t>月，</a:t>
+            </a:r>
+            <a:r>
+              <a:rPr lang="en-US" altLang="zh-TW" dirty="0" smtClean="0">
+                <a:latin typeface="微軟正黑體" panose="020B0604030504040204" pitchFamily="34" charset="-120"/>
+                <a:ea typeface="微軟正黑體" panose="020B0604030504040204" pitchFamily="34" charset="-120"/>
+              </a:rPr>
+              <a:t>tweet</a:t>
+            </a:r>
+            <a:r>
+              <a:rPr lang="zh-TW" altLang="en-US" dirty="0" smtClean="0">
+                <a:latin typeface="微軟正黑體" panose="020B0604030504040204" pitchFamily="34" charset="-120"/>
+                <a:ea typeface="微軟正黑體" panose="020B0604030504040204" pitchFamily="34" charset="-120"/>
+              </a:rPr>
+              <a:t>和</a:t>
+            </a:r>
+            <a:r>
+              <a:rPr lang="en-US" altLang="zh-TW" dirty="0" smtClean="0">
+                <a:latin typeface="微軟正黑體" panose="020B0604030504040204" pitchFamily="34" charset="-120"/>
+                <a:ea typeface="微軟正黑體" panose="020B0604030504040204" pitchFamily="34" charset="-120"/>
+              </a:rPr>
+              <a:t>twitter</a:t>
+            </a:r>
+            <a:r>
+              <a:rPr lang="zh-TW" altLang="en-US" dirty="0" smtClean="0">
+                <a:latin typeface="微軟正黑體" panose="020B0604030504040204" pitchFamily="34" charset="-120"/>
+                <a:ea typeface="微軟正黑體" panose="020B0604030504040204" pitchFamily="34" charset="-120"/>
+              </a:rPr>
+              <a:t>都相對不多，但在箱型圖的部分卻有最高點，可以針對這點找出指標帳號。</a:t>
+            </a:r>
+            <a:endParaRPr lang="en-US" altLang="zh-TW" dirty="0" smtClean="0">
+              <a:latin typeface="微軟正黑體" panose="020B0604030504040204" pitchFamily="34" charset="-120"/>
+              <a:ea typeface="微軟正黑體" panose="020B0604030504040204" pitchFamily="34" charset="-120"/>
+            </a:endParaRPr>
+          </a:p>
+          <a:p>
+            <a:pPr lvl="1"/>
+            <a:r>
+              <a:rPr lang="zh-TW" altLang="en-US" dirty="0" smtClean="0">
+                <a:latin typeface="微軟正黑體" panose="020B0604030504040204" pitchFamily="34" charset="-120"/>
+                <a:ea typeface="微軟正黑體" panose="020B0604030504040204" pitchFamily="34" charset="-120"/>
+              </a:rPr>
+              <a:t>再配合</a:t>
+            </a:r>
+            <a:r>
+              <a:rPr lang="en-US" altLang="zh-TW" dirty="0" smtClean="0">
+                <a:latin typeface="微軟正黑體" panose="020B0604030504040204" pitchFamily="34" charset="-120"/>
+                <a:ea typeface="微軟正黑體" panose="020B0604030504040204" pitchFamily="34" charset="-120"/>
+              </a:rPr>
+              <a:t>URL</a:t>
+            </a:r>
+            <a:r>
+              <a:rPr lang="zh-TW" altLang="en-US" dirty="0" smtClean="0">
+                <a:latin typeface="微軟正黑體" panose="020B0604030504040204" pitchFamily="34" charset="-120"/>
+                <a:ea typeface="微軟正黑體" panose="020B0604030504040204" pitchFamily="34" charset="-120"/>
+              </a:rPr>
+              <a:t>所屬的</a:t>
+            </a:r>
+            <a:r>
+              <a:rPr lang="en-US" altLang="zh-TW" dirty="0" smtClean="0">
+                <a:latin typeface="微軟正黑體" panose="020B0604030504040204" pitchFamily="34" charset="-120"/>
+                <a:ea typeface="微軟正黑體" panose="020B0604030504040204" pitchFamily="34" charset="-120"/>
+              </a:rPr>
+              <a:t>domain</a:t>
+            </a:r>
+            <a:r>
+              <a:rPr lang="zh-TW" altLang="en-US" dirty="0" smtClean="0">
+                <a:latin typeface="微軟正黑體" panose="020B0604030504040204" pitchFamily="34" charset="-120"/>
+                <a:ea typeface="微軟正黑體" panose="020B0604030504040204" pitchFamily="34" charset="-120"/>
+              </a:rPr>
+              <a:t>和比例圖，可以提供我們去分析資安弱點的關聯性。</a:t>
             </a:r>
             <a:endParaRPr lang="en-US" altLang="zh-TW" dirty="0">
               <a:latin typeface="微軟正黑體" panose="020B0604030504040204" pitchFamily="34" charset="-120"/>
@@ -5531,7 +6524,7 @@
 </p:sld>
 </file>
 
-<file path=ppt/slides/slide4.xml><?xml version="1.0" encoding="utf-8"?>
+<file path=ppt/slides/slide5.xml><?xml version="1.0" encoding="utf-8"?>
 <p:sld xmlns:a="http://schemas.openxmlformats.org/drawingml/2006/main" xmlns:r="http://schemas.openxmlformats.org/officeDocument/2006/relationships" xmlns:p="http://schemas.openxmlformats.org/presentationml/2006/main">
   <p:cSld>
     <p:spTree>
@@ -5856,7 +6849,7 @@
 </p:sld>
 </file>
 
-<file path=ppt/slides/slide5.xml><?xml version="1.0" encoding="utf-8"?>
+<file path=ppt/slides/slide6.xml><?xml version="1.0" encoding="utf-8"?>
 <p:sld xmlns:a="http://schemas.openxmlformats.org/drawingml/2006/main" xmlns:r="http://schemas.openxmlformats.org/officeDocument/2006/relationships" xmlns:p="http://schemas.openxmlformats.org/presentationml/2006/main">
   <p:cSld>
     <p:spTree>
@@ -6181,7 +7174,7 @@
 </p:sld>
 </file>
 
-<file path=ppt/slides/slide6.xml><?xml version="1.0" encoding="utf-8"?>
+<file path=ppt/slides/slide7.xml><?xml version="1.0" encoding="utf-8"?>
 <p:sld xmlns:a="http://schemas.openxmlformats.org/drawingml/2006/main" xmlns:r="http://schemas.openxmlformats.org/officeDocument/2006/relationships" xmlns:p="http://schemas.openxmlformats.org/presentationml/2006/main">
   <p:cSld>
     <p:spTree>
@@ -6239,7 +7232,56 @@
                 <a:latin typeface="微軟正黑體" panose="020B0604030504040204" pitchFamily="34" charset="-120"/>
                 <a:ea typeface="微軟正黑體" panose="020B0604030504040204" pitchFamily="34" charset="-120"/>
               </a:rPr>
-              <a:t> Key word : Vulnerability</a:t>
+              <a:t> Key word : </a:t>
+            </a:r>
+            <a:r>
+              <a:rPr lang="en-US" altLang="zh-TW" sz="3200" b="1" dirty="0" smtClean="0">
+                <a:latin typeface="微軟正黑體" panose="020B0604030504040204" pitchFamily="34" charset="-120"/>
+                <a:ea typeface="微軟正黑體" panose="020B0604030504040204" pitchFamily="34" charset="-120"/>
+              </a:rPr>
+              <a:t>Vulnerability</a:t>
+            </a:r>
+            <a:r>
+              <a:rPr lang="zh-TW" altLang="en-US" sz="3200" b="1" dirty="0" smtClean="0">
+                <a:latin typeface="微軟正黑體" panose="020B0604030504040204" pitchFamily="34" charset="-120"/>
+                <a:ea typeface="微軟正黑體" panose="020B0604030504040204" pitchFamily="34" charset="-120"/>
+              </a:rPr>
+              <a:t> </a:t>
+            </a:r>
+            <a:r>
+              <a:rPr lang="en-US" altLang="zh-TW" sz="3200" b="1" dirty="0">
+                <a:latin typeface="微軟正黑體" panose="020B0604030504040204" pitchFamily="34" charset="-120"/>
+                <a:ea typeface="微軟正黑體" panose="020B0604030504040204" pitchFamily="34" charset="-120"/>
+              </a:rPr>
+              <a:t>(</a:t>
+            </a:r>
+            <a:r>
+              <a:rPr lang="zh-TW" altLang="en-US" sz="3200" b="1" dirty="0">
+                <a:latin typeface="微軟正黑體" panose="020B0604030504040204" pitchFamily="34" charset="-120"/>
+                <a:ea typeface="微軟正黑體" panose="020B0604030504040204" pitchFamily="34" charset="-120"/>
+              </a:rPr>
+              <a:t>時間</a:t>
+            </a:r>
+            <a:r>
+              <a:rPr lang="en-US" altLang="zh-TW" sz="3200" b="1" dirty="0">
+                <a:latin typeface="微軟正黑體" panose="020B0604030504040204" pitchFamily="34" charset="-120"/>
+                <a:ea typeface="微軟正黑體" panose="020B0604030504040204" pitchFamily="34" charset="-120"/>
+              </a:rPr>
+              <a:t>:2014</a:t>
+            </a:r>
+            <a:r>
+              <a:rPr lang="zh-TW" altLang="en-US" sz="3200" b="1" dirty="0">
+                <a:latin typeface="微軟正黑體" panose="020B0604030504040204" pitchFamily="34" charset="-120"/>
+                <a:ea typeface="微軟正黑體" panose="020B0604030504040204" pitchFamily="34" charset="-120"/>
+              </a:rPr>
+              <a:t>一整年</a:t>
+            </a:r>
+            <a:r>
+              <a:rPr lang="en-US" altLang="zh-TW" sz="3200" b="1" dirty="0">
+                <a:latin typeface="微軟正黑體" panose="020B0604030504040204" pitchFamily="34" charset="-120"/>
+                <a:ea typeface="微軟正黑體" panose="020B0604030504040204" pitchFamily="34" charset="-120"/>
+              </a:rPr>
+              <a:t>)</a:t>
             </a:r>
             <a:endParaRPr lang="zh-TW" altLang="en-US" sz="3200" b="1" dirty="0">
               <a:latin typeface="微軟正黑體" panose="020B0604030504040204" pitchFamily="34" charset="-120"/>
@@ -6387,8 +7429,182 @@
                 <a:latin typeface="微軟正黑體" panose="020B0604030504040204" pitchFamily="34" charset="-120"/>
                 <a:ea typeface="微軟正黑體" panose="020B0604030504040204" pitchFamily="34" charset="-120"/>
               </a:rPr>
-              <a:t>能否分析資安弱點分析指標帳號？如何分析？</a:t>
-            </a:r>
+              <a:t>能否分析資安弱點分析指標帳號？如何分析</a:t>
+            </a:r>
+            <a:r>
+              <a:rPr lang="zh-TW" altLang="en-US" dirty="0" smtClean="0">
+                <a:latin typeface="微軟正黑體" panose="020B0604030504040204" pitchFamily="34" charset="-120"/>
+                <a:ea typeface="微軟正黑體" panose="020B0604030504040204" pitchFamily="34" charset="-120"/>
+              </a:rPr>
+              <a:t>？</a:t>
+            </a:r>
+            <a:endParaRPr lang="en-US" altLang="zh-TW" dirty="0" smtClean="0">
+              <a:latin typeface="微軟正黑體" panose="020B0604030504040204" pitchFamily="34" charset="-120"/>
+              <a:ea typeface="微軟正黑體" panose="020B0604030504040204" pitchFamily="34" charset="-120"/>
+            </a:endParaRPr>
+          </a:p>
+          <a:p>
+            <a:pPr lvl="1"/>
+            <a:r>
+              <a:rPr lang="zh-TW" altLang="en-US" dirty="0">
+                <a:latin typeface="微軟正黑體" panose="020B0604030504040204" pitchFamily="34" charset="-120"/>
+                <a:ea typeface="微軟正黑體" panose="020B0604030504040204" pitchFamily="34" charset="-120"/>
+              </a:rPr>
+              <a:t>以</a:t>
+            </a:r>
+            <a:r>
+              <a:rPr lang="en-US" altLang="zh-TW" dirty="0" err="1">
+                <a:latin typeface="微軟正黑體" panose="020B0604030504040204" pitchFamily="34" charset="-120"/>
+                <a:ea typeface="微軟正黑體" panose="020B0604030504040204" pitchFamily="34" charset="-120"/>
+              </a:rPr>
+              <a:t>twitter_id</a:t>
+            </a:r>
+            <a:r>
+              <a:rPr lang="zh-TW" altLang="en-US" dirty="0">
+                <a:latin typeface="微軟正黑體" panose="020B0604030504040204" pitchFamily="34" charset="-120"/>
+                <a:ea typeface="微軟正黑體" panose="020B0604030504040204" pitchFamily="34" charset="-120"/>
+              </a:rPr>
+              <a:t>做</a:t>
+            </a:r>
+            <a:r>
+              <a:rPr lang="en-US" altLang="zh-TW" dirty="0">
+                <a:latin typeface="微軟正黑體" panose="020B0604030504040204" pitchFamily="34" charset="-120"/>
+                <a:ea typeface="微軟正黑體" panose="020B0604030504040204" pitchFamily="34" charset="-120"/>
+              </a:rPr>
+              <a:t>aggregation</a:t>
+            </a:r>
+            <a:r>
+              <a:rPr lang="zh-TW" altLang="en-US" dirty="0">
+                <a:latin typeface="微軟正黑體" panose="020B0604030504040204" pitchFamily="34" charset="-120"/>
+                <a:ea typeface="微軟正黑體" panose="020B0604030504040204" pitchFamily="34" charset="-120"/>
+              </a:rPr>
+              <a:t>，可以撈出一些相對較常發</a:t>
+            </a:r>
+            <a:r>
+              <a:rPr lang="zh-TW" altLang="en-US" dirty="0" smtClean="0">
+                <a:latin typeface="微軟正黑體" panose="020B0604030504040204" pitchFamily="34" charset="-120"/>
+                <a:ea typeface="微軟正黑體" panose="020B0604030504040204" pitchFamily="34" charset="-120"/>
+              </a:rPr>
+              <a:t>關於</a:t>
+            </a:r>
+            <a:r>
+              <a:rPr lang="en-US" altLang="zh-TW" dirty="0">
+                <a:latin typeface="微軟正黑體" panose="020B0604030504040204" pitchFamily="34" charset="-120"/>
+                <a:ea typeface="微軟正黑體" panose="020B0604030504040204" pitchFamily="34" charset="-120"/>
+              </a:rPr>
+              <a:t>Vulnerability</a:t>
+            </a:r>
+            <a:r>
+              <a:rPr lang="zh-TW" altLang="en-US" dirty="0" smtClean="0">
+                <a:latin typeface="微軟正黑體" panose="020B0604030504040204" pitchFamily="34" charset="-120"/>
+                <a:ea typeface="微軟正黑體" panose="020B0604030504040204" pitchFamily="34" charset="-120"/>
+              </a:rPr>
+              <a:t>關鍵字</a:t>
+            </a:r>
+            <a:r>
+              <a:rPr lang="en-US" altLang="zh-TW" dirty="0">
+                <a:latin typeface="微軟正黑體" panose="020B0604030504040204" pitchFamily="34" charset="-120"/>
+                <a:ea typeface="微軟正黑體" panose="020B0604030504040204" pitchFamily="34" charset="-120"/>
+              </a:rPr>
+              <a:t>tweet</a:t>
+            </a:r>
+            <a:r>
+              <a:rPr lang="zh-TW" altLang="en-US" dirty="0">
+                <a:latin typeface="微軟正黑體" panose="020B0604030504040204" pitchFamily="34" charset="-120"/>
+                <a:ea typeface="微軟正黑體" panose="020B0604030504040204" pitchFamily="34" charset="-120"/>
+              </a:rPr>
+              <a:t>的帳號。</a:t>
+            </a:r>
+            <a:endParaRPr lang="en-US" altLang="zh-TW" dirty="0">
+              <a:latin typeface="微軟正黑體" panose="020B0604030504040204" pitchFamily="34" charset="-120"/>
+              <a:ea typeface="微軟正黑體" panose="020B0604030504040204" pitchFamily="34" charset="-120"/>
+            </a:endParaRPr>
+          </a:p>
+          <a:p>
+            <a:pPr lvl="1"/>
+            <a:r>
+              <a:rPr lang="zh-TW" altLang="en-US" dirty="0">
+                <a:latin typeface="微軟正黑體" panose="020B0604030504040204" pitchFamily="34" charset="-120"/>
+                <a:ea typeface="微軟正黑體" panose="020B0604030504040204" pitchFamily="34" charset="-120"/>
+              </a:rPr>
+              <a:t>再對照</a:t>
+            </a:r>
+            <a:r>
+              <a:rPr lang="en-US" altLang="zh-TW" dirty="0">
+                <a:latin typeface="微軟正黑體" panose="020B0604030504040204" pitchFamily="34" charset="-120"/>
+                <a:ea typeface="微軟正黑體" panose="020B0604030504040204" pitchFamily="34" charset="-120"/>
+              </a:rPr>
+              <a:t>tweet</a:t>
+            </a:r>
+            <a:r>
+              <a:rPr lang="zh-TW" altLang="en-US" dirty="0">
+                <a:latin typeface="微軟正黑體" panose="020B0604030504040204" pitchFamily="34" charset="-120"/>
+                <a:ea typeface="微軟正黑體" panose="020B0604030504040204" pitchFamily="34" charset="-120"/>
+              </a:rPr>
+              <a:t>以及</a:t>
+            </a:r>
+            <a:r>
+              <a:rPr lang="en-US" altLang="zh-TW" dirty="0">
+                <a:latin typeface="微軟正黑體" panose="020B0604030504040204" pitchFamily="34" charset="-120"/>
+                <a:ea typeface="微軟正黑體" panose="020B0604030504040204" pitchFamily="34" charset="-120"/>
+              </a:rPr>
+              <a:t>twitter</a:t>
+            </a:r>
+            <a:r>
+              <a:rPr lang="zh-TW" altLang="en-US" dirty="0">
+                <a:latin typeface="微軟正黑體" panose="020B0604030504040204" pitchFamily="34" charset="-120"/>
+                <a:ea typeface="微軟正黑體" panose="020B0604030504040204" pitchFamily="34" charset="-120"/>
+              </a:rPr>
+              <a:t>各月份的長條圖。</a:t>
+            </a:r>
+            <a:endParaRPr lang="en-US" altLang="zh-TW" dirty="0">
+              <a:latin typeface="微軟正黑體" panose="020B0604030504040204" pitchFamily="34" charset="-120"/>
+              <a:ea typeface="微軟正黑體" panose="020B0604030504040204" pitchFamily="34" charset="-120"/>
+            </a:endParaRPr>
+          </a:p>
+          <a:p>
+            <a:pPr lvl="1"/>
+            <a:r>
+              <a:rPr lang="zh-TW" altLang="en-US" dirty="0" smtClean="0">
+                <a:latin typeface="微軟正黑體" panose="020B0604030504040204" pitchFamily="34" charset="-120"/>
+                <a:ea typeface="微軟正黑體" panose="020B0604030504040204" pitchFamily="34" charset="-120"/>
+              </a:rPr>
+              <a:t>因為</a:t>
+            </a:r>
+            <a:r>
+              <a:rPr lang="en-US" altLang="zh-TW" dirty="0" smtClean="0">
+                <a:latin typeface="微軟正黑體" panose="020B0604030504040204" pitchFamily="34" charset="-120"/>
+                <a:ea typeface="微軟正黑體" panose="020B0604030504040204" pitchFamily="34" charset="-120"/>
+              </a:rPr>
+              <a:t>Vulnerability</a:t>
+            </a:r>
+            <a:r>
+              <a:rPr lang="zh-TW" altLang="en-US" dirty="0" smtClean="0">
+                <a:latin typeface="微軟正黑體" panose="020B0604030504040204" pitchFamily="34" charset="-120"/>
+                <a:ea typeface="微軟正黑體" panose="020B0604030504040204" pitchFamily="34" charset="-120"/>
+              </a:rPr>
+              <a:t>所代表的可能不僅止於資安相關議題。</a:t>
+            </a:r>
+            <a:endParaRPr lang="en-US" altLang="zh-TW" dirty="0" smtClean="0">
+              <a:latin typeface="微軟正黑體" panose="020B0604030504040204" pitchFamily="34" charset="-120"/>
+              <a:ea typeface="微軟正黑體" panose="020B0604030504040204" pitchFamily="34" charset="-120"/>
+            </a:endParaRPr>
+          </a:p>
+          <a:p>
+            <a:pPr lvl="1"/>
+            <a:r>
+              <a:rPr lang="zh-TW" altLang="en-US" dirty="0" smtClean="0">
+                <a:latin typeface="微軟正黑體" panose="020B0604030504040204" pitchFamily="34" charset="-120"/>
+                <a:ea typeface="微軟正黑體" panose="020B0604030504040204" pitchFamily="34" charset="-120"/>
+              </a:rPr>
+              <a:t>所以應同時比對其他資安的關鍵字，以加強其關聯性。</a:t>
+            </a:r>
+            <a:endParaRPr lang="en-US" altLang="zh-TW" dirty="0" smtClean="0">
+              <a:latin typeface="微軟正黑體" panose="020B0604030504040204" pitchFamily="34" charset="-120"/>
+              <a:ea typeface="微軟正黑體" panose="020B0604030504040204" pitchFamily="34" charset="-120"/>
+            </a:endParaRPr>
+          </a:p>
+          <a:p>
             <a:endParaRPr lang="en-US" altLang="zh-TW" dirty="0">
               <a:latin typeface="微軟正黑體" panose="020B0604030504040204" pitchFamily="34" charset="-120"/>
               <a:ea typeface="微軟正黑體" panose="020B0604030504040204" pitchFamily="34" charset="-120"/>
@@ -6439,7 +7655,7 @@
 </p:sld>
 </file>
 
-<file path=ppt/slides/slide7.xml><?xml version="1.0" encoding="utf-8"?>
+<file path=ppt/slides/slide8.xml><?xml version="1.0" encoding="utf-8"?>
 <p:sld xmlns:a="http://schemas.openxmlformats.org/drawingml/2006/main" xmlns:r="http://schemas.openxmlformats.org/officeDocument/2006/relationships" xmlns:p="http://schemas.openxmlformats.org/presentationml/2006/main">
   <p:cSld>
     <p:spTree>
@@ -6757,7 +7973,7 @@
 </p:sld>
 </file>
 
-<file path=ppt/slides/slide8.xml><?xml version="1.0" encoding="utf-8"?>
+<file path=ppt/slides/slide9.xml><?xml version="1.0" encoding="utf-8"?>
 <p:sld xmlns:a="http://schemas.openxmlformats.org/drawingml/2006/main" xmlns:r="http://schemas.openxmlformats.org/officeDocument/2006/relationships" xmlns:p="http://schemas.openxmlformats.org/presentationml/2006/main">
   <p:cSld>
     <p:spTree>
@@ -7075,303 +8291,45 @@
 </p:sld>
 </file>
 
-<file path=ppt/slides/slide9.xml><?xml version="1.0" encoding="utf-8"?>
-<p:sld xmlns:a="http://schemas.openxmlformats.org/drawingml/2006/main" xmlns:r="http://schemas.openxmlformats.org/officeDocument/2006/relationships" xmlns:p="http://schemas.openxmlformats.org/presentationml/2006/main">
-  <p:cSld>
-    <p:spTree>
-      <p:nvGrpSpPr>
-        <p:cNvPr id="1" name=""/>
-        <p:cNvGrpSpPr/>
-        <p:nvPr/>
-      </p:nvGrpSpPr>
-      <p:grpSpPr>
-        <a:xfrm>
-          <a:off x="0" y="0"/>
-          <a:ext cx="0" cy="0"/>
-          <a:chOff x="0" y="0"/>
-          <a:chExt cx="0" cy="0"/>
-        </a:xfrm>
-      </p:grpSpPr>
-      <p:sp>
-        <p:nvSpPr>
-          <p:cNvPr id="2" name="標題 1"/>
-          <p:cNvSpPr>
-            <a:spLocks noGrp="1"/>
-          </p:cNvSpPr>
-          <p:nvPr>
-            <p:ph type="title"/>
-          </p:nvPr>
-        </p:nvSpPr>
-        <p:spPr>
-          <a:xfrm>
-            <a:off x="1097280" y="412124"/>
-            <a:ext cx="10058400" cy="1325236"/>
-          </a:xfrm>
-        </p:spPr>
-        <p:txBody>
-          <a:bodyPr>
-            <a:noAutofit/>
-          </a:bodyPr>
-          <a:lstStyle/>
-          <a:p>
-            <a:r>
-              <a:rPr lang="en-US" altLang="zh-TW" sz="3200" b="1" dirty="0">
-                <a:latin typeface="微軟正黑體" panose="020B0604030504040204" pitchFamily="34" charset="-120"/>
-                <a:ea typeface="微軟正黑體" panose="020B0604030504040204" pitchFamily="34" charset="-120"/>
-              </a:rPr>
-              <a:t>2</a:t>
-            </a:r>
-            <a:r>
-              <a:rPr lang="en-US" altLang="zh-TW" sz="3200" b="1" dirty="0" smtClean="0">
-                <a:latin typeface="微軟正黑體" panose="020B0604030504040204" pitchFamily="34" charset="-120"/>
-                <a:ea typeface="微軟正黑體" panose="020B0604030504040204" pitchFamily="34" charset="-120"/>
-              </a:rPr>
-              <a:t>.</a:t>
-            </a:r>
-            <a:r>
-              <a:rPr lang="en-US" altLang="zh-TW" sz="3200" b="1" dirty="0">
-                <a:latin typeface="微軟正黑體" panose="020B0604030504040204" pitchFamily="34" charset="-120"/>
-                <a:ea typeface="微軟正黑體" panose="020B0604030504040204" pitchFamily="34" charset="-120"/>
-              </a:rPr>
-              <a:t> Key word : Exploit</a:t>
-            </a:r>
-            <a:endParaRPr lang="zh-TW" altLang="en-US" sz="3200" b="1" dirty="0">
-              <a:latin typeface="微軟正黑體" panose="020B0604030504040204" pitchFamily="34" charset="-120"/>
-              <a:ea typeface="微軟正黑體" panose="020B0604030504040204" pitchFamily="34" charset="-120"/>
-            </a:endParaRPr>
-          </a:p>
-        </p:txBody>
-      </p:sp>
-      <p:sp>
-        <p:nvSpPr>
-          <p:cNvPr id="3" name="內容版面配置區 2"/>
-          <p:cNvSpPr>
-            <a:spLocks noGrp="1"/>
-          </p:cNvSpPr>
-          <p:nvPr>
-            <p:ph idx="1"/>
-          </p:nvPr>
-        </p:nvSpPr>
-        <p:spPr/>
-        <p:txBody>
-          <a:bodyPr>
-            <a:normAutofit/>
-          </a:bodyPr>
-          <a:lstStyle/>
-          <a:p>
-            <a:pPr marL="91440" lvl="1" indent="-91440">
-              <a:spcBef>
-                <a:spcPts val="1200"/>
-              </a:spcBef>
-              <a:spcAft>
-                <a:spcPts val="200"/>
-              </a:spcAft>
-              <a:buSzPct val="100000"/>
-              <a:buFont typeface="Calibri" panose="020F0502020204030204" pitchFamily="34" charset="0"/>
-              <a:buChar char=" "/>
-            </a:pPr>
-            <a:r>
-              <a:rPr lang="en-US" altLang="zh-TW" sz="2000" dirty="0" smtClean="0">
-                <a:latin typeface="微軟正黑體" panose="020B0604030504040204" pitchFamily="34" charset="-120"/>
-                <a:ea typeface="微軟正黑體" panose="020B0604030504040204" pitchFamily="34" charset="-120"/>
-              </a:rPr>
-              <a:t>a</a:t>
-            </a:r>
-            <a:r>
-              <a:rPr lang="en-US" altLang="zh-TW" sz="2000" dirty="0">
-                <a:latin typeface="微軟正黑體" panose="020B0604030504040204" pitchFamily="34" charset="-120"/>
-                <a:ea typeface="微軟正黑體" panose="020B0604030504040204" pitchFamily="34" charset="-120"/>
-              </a:rPr>
-              <a:t>. </a:t>
-            </a:r>
-            <a:r>
-              <a:rPr lang="zh-TW" altLang="en-US" sz="2000" dirty="0" smtClean="0">
-                <a:latin typeface="微軟正黑體" panose="020B0604030504040204" pitchFamily="34" charset="-120"/>
-                <a:ea typeface="微軟正黑體" panose="020B0604030504040204" pitchFamily="34" charset="-120"/>
-              </a:rPr>
-              <a:t>共有</a:t>
-            </a:r>
-            <a:r>
-              <a:rPr lang="en-US" altLang="zh-TW" sz="2000" b="1" u="sng" dirty="0" smtClean="0">
-                <a:latin typeface="微軟正黑體" panose="020B0604030504040204" pitchFamily="34" charset="-120"/>
-                <a:ea typeface="微軟正黑體" panose="020B0604030504040204" pitchFamily="34" charset="-120"/>
-              </a:rPr>
-              <a:t>69</a:t>
-            </a:r>
-            <a:r>
-              <a:rPr lang="zh-TW" altLang="en-US" sz="2000" dirty="0" smtClean="0">
-                <a:latin typeface="微軟正黑體" panose="020B0604030504040204" pitchFamily="34" charset="-120"/>
-                <a:ea typeface="微軟正黑體" panose="020B0604030504040204" pitchFamily="34" charset="-120"/>
-              </a:rPr>
-              <a:t>個</a:t>
-            </a:r>
-            <a:r>
-              <a:rPr lang="en-US" altLang="zh-TW" sz="2000" dirty="0" smtClean="0">
-                <a:latin typeface="微軟正黑體" panose="020B0604030504040204" pitchFamily="34" charset="-120"/>
-                <a:ea typeface="微軟正黑體" panose="020B0604030504040204" pitchFamily="34" charset="-120"/>
-              </a:rPr>
-              <a:t>Twitter</a:t>
-            </a:r>
-          </a:p>
-          <a:p>
-            <a:pPr marL="91440" lvl="1" indent="-91440">
-              <a:spcBef>
-                <a:spcPts val="1200"/>
-              </a:spcBef>
-              <a:spcAft>
-                <a:spcPts val="200"/>
-              </a:spcAft>
-              <a:buSzPct val="100000"/>
-              <a:buFont typeface="Calibri" panose="020F0502020204030204" pitchFamily="34" charset="0"/>
-              <a:buChar char=" "/>
-            </a:pPr>
-            <a:r>
-              <a:rPr lang="en-US" altLang="zh-TW" sz="2000" dirty="0" smtClean="0">
-                <a:latin typeface="微軟正黑體" panose="020B0604030504040204" pitchFamily="34" charset="-120"/>
-                <a:ea typeface="微軟正黑體" panose="020B0604030504040204" pitchFamily="34" charset="-120"/>
-              </a:rPr>
-              <a:t>b. </a:t>
-            </a:r>
-            <a:r>
-              <a:rPr lang="zh-TW" altLang="en-US" sz="2000" dirty="0" smtClean="0">
-                <a:latin typeface="微軟正黑體" panose="020B0604030504040204" pitchFamily="34" charset="-120"/>
-                <a:ea typeface="微軟正黑體" panose="020B0604030504040204" pitchFamily="34" charset="-120"/>
-              </a:rPr>
-              <a:t>共有</a:t>
-            </a:r>
-            <a:r>
-              <a:rPr lang="en-US" altLang="zh-TW" sz="2000" b="1" u="sng" dirty="0" smtClean="0">
-                <a:latin typeface="微軟正黑體" panose="020B0604030504040204" pitchFamily="34" charset="-120"/>
-                <a:ea typeface="微軟正黑體" panose="020B0604030504040204" pitchFamily="34" charset="-120"/>
-              </a:rPr>
-              <a:t>561</a:t>
-            </a:r>
-            <a:r>
-              <a:rPr lang="zh-TW" altLang="en-US" sz="2000" dirty="0" smtClean="0">
-                <a:latin typeface="微軟正黑體" panose="020B0604030504040204" pitchFamily="34" charset="-120"/>
-                <a:ea typeface="微軟正黑體" panose="020B0604030504040204" pitchFamily="34" charset="-120"/>
-              </a:rPr>
-              <a:t>則</a:t>
-            </a:r>
-            <a:r>
-              <a:rPr lang="en-US" altLang="zh-TW" sz="2000" dirty="0" smtClean="0">
-                <a:latin typeface="微軟正黑體" panose="020B0604030504040204" pitchFamily="34" charset="-120"/>
-                <a:ea typeface="微軟正黑體" panose="020B0604030504040204" pitchFamily="34" charset="-120"/>
-              </a:rPr>
-              <a:t>Tweets</a:t>
-            </a:r>
-          </a:p>
-          <a:p>
-            <a:r>
-              <a:rPr lang="en-US" altLang="zh-TW" dirty="0" smtClean="0">
-                <a:latin typeface="微軟正黑體" panose="020B0604030504040204" pitchFamily="34" charset="-120"/>
-                <a:ea typeface="微軟正黑體" panose="020B0604030504040204" pitchFamily="34" charset="-120"/>
-              </a:rPr>
-              <a:t>g</a:t>
-            </a:r>
-            <a:r>
-              <a:rPr lang="en-US" altLang="zh-TW" dirty="0">
-                <a:latin typeface="微軟正黑體" panose="020B0604030504040204" pitchFamily="34" charset="-120"/>
-                <a:ea typeface="微軟正黑體" panose="020B0604030504040204" pitchFamily="34" charset="-120"/>
-              </a:rPr>
-              <a:t>. </a:t>
-            </a:r>
-            <a:r>
-              <a:rPr lang="zh-TW" altLang="en-US" dirty="0">
-                <a:latin typeface="微軟正黑體" panose="020B0604030504040204" pitchFamily="34" charset="-120"/>
-                <a:ea typeface="微軟正黑體" panose="020B0604030504040204" pitchFamily="34" charset="-120"/>
-              </a:rPr>
-              <a:t>能否分析資安弱點分析指標帳號？如何分析？</a:t>
-            </a:r>
-            <a:endParaRPr lang="en-US" altLang="zh-TW" dirty="0">
-              <a:latin typeface="微軟正黑體" panose="020B0604030504040204" pitchFamily="34" charset="-120"/>
-              <a:ea typeface="微軟正黑體" panose="020B0604030504040204" pitchFamily="34" charset="-120"/>
-            </a:endParaRPr>
-          </a:p>
-          <a:p>
-            <a:pPr marL="91440" lvl="1" indent="-91440">
-              <a:spcBef>
-                <a:spcPts val="1200"/>
-              </a:spcBef>
-              <a:spcAft>
-                <a:spcPts val="200"/>
-              </a:spcAft>
-              <a:buSzPct val="100000"/>
-              <a:buFont typeface="Calibri" panose="020F0502020204030204" pitchFamily="34" charset="0"/>
-              <a:buChar char=" "/>
-            </a:pPr>
-            <a:endParaRPr lang="en-US" altLang="zh-TW" sz="2000" dirty="0" smtClean="0">
-              <a:latin typeface="微軟正黑體" panose="020B0604030504040204" pitchFamily="34" charset="-120"/>
-              <a:ea typeface="微軟正黑體" panose="020B0604030504040204" pitchFamily="34" charset="-120"/>
-            </a:endParaRPr>
-          </a:p>
-          <a:p>
-            <a:endParaRPr lang="en-US" altLang="zh-TW" sz="2400" dirty="0" smtClean="0">
-              <a:latin typeface="微軟正黑體" panose="020B0604030504040204" pitchFamily="34" charset="-120"/>
-              <a:ea typeface="微軟正黑體" panose="020B0604030504040204" pitchFamily="34" charset="-120"/>
-            </a:endParaRPr>
-          </a:p>
-        </p:txBody>
-      </p:sp>
-    </p:spTree>
-    <p:extLst>
-      <p:ext uri="{BB962C8B-B14F-4D97-AF65-F5344CB8AC3E}">
-        <p14:creationId xmlns:p14="http://schemas.microsoft.com/office/powerpoint/2010/main" val="2252600417"/>
-      </p:ext>
-    </p:extLst>
-  </p:cSld>
-  <p:clrMapOvr>
-    <a:masterClrMapping/>
-  </p:clrMapOvr>
-  <p:timing>
-    <p:tnLst>
-      <p:par>
-        <p:cTn id="1" dur="indefinite" restart="never" nodeType="tmRoot"/>
-      </p:par>
-    </p:tnLst>
-  </p:timing>
-</p:sld>
-</file>
-
 <file path=ppt/theme/theme1.xml><?xml version="1.0" encoding="utf-8"?>
 <a:theme xmlns:a="http://schemas.openxmlformats.org/drawingml/2006/main" name="回顧">
   <a:themeElements>
     <a:clrScheme name="回顧">
       <a:dk1>
-        <a:srgbClr val="000000"/>
+        <a:sysClr val="windowText" lastClr="000000"/>
       </a:dk1>
       <a:lt1>
         <a:sysClr val="window" lastClr="FFFFFF"/>
       </a:lt1>
       <a:dk2>
-        <a:srgbClr val="637052"/>
+        <a:srgbClr val="696464"/>
       </a:dk2>
       <a:lt2>
-        <a:srgbClr val="CCDDEA"/>
+        <a:srgbClr val="E9E5DC"/>
       </a:lt2>
       <a:accent1>
-        <a:srgbClr val="E48312"/>
+        <a:srgbClr val="D34817"/>
       </a:accent1>
       <a:accent2>
-        <a:srgbClr val="BD582C"/>
+        <a:srgbClr val="9B2D1F"/>
       </a:accent2>
       <a:accent3>
-        <a:srgbClr val="865640"/>
+        <a:srgbClr val="A28E6A"/>
       </a:accent3>
       <a:accent4>
-        <a:srgbClr val="9B8357"/>
+        <a:srgbClr val="956251"/>
       </a:accent4>
       <a:accent5>
-        <a:srgbClr val="C2BC80"/>
+        <a:srgbClr val="918485"/>
       </a:accent5>
       <a:accent6>
-        <a:srgbClr val="94A088"/>
+        <a:srgbClr val="855D5D"/>
       </a:accent6>
       <a:hlink>
-        <a:srgbClr val="2998E3"/>
+        <a:srgbClr val="CC9900"/>
       </a:hlink>
       <a:folHlink>
-        <a:srgbClr val="8C8C8C"/>
+        <a:srgbClr val="96A9A9"/>
       </a:folHlink>
     </a:clrScheme>
     <a:fontScheme name="回顧">
@@ -7610,7 +8568,7 @@
   <a:extraClrSchemeLst/>
   <a:extLst>
     <a:ext uri="{05A4C25C-085E-4340-85A3-A5531E510DB2}">
-      <thm15:themeFamily xmlns:thm15="http://schemas.microsoft.com/office/thememl/2012/main" name="Retrospect" id="{5F128B03-DCCA-4EEB-AB3B-CF2899314A46}" vid="{3F1AAB62-24C6-49D2-8E01-B56FAC9A3DCD}"/>
+      <thm15:themeFamily xmlns:thm15="http://schemas.microsoft.com/office/thememl/2012/main" name="Retrospect" id="{5F128B03-DCCA-4EEB-AB3B-CF2899314A46}" vid="{02006FA4-1611-4B07-AF7F-85CF6D20EB3E}"/>
     </a:ext>
   </a:extLst>
 </a:theme>
